--- a/doc/presentation-pptx-edition.pptx
+++ b/doc/presentation-pptx-edition.pptx
@@ -17,6 +17,8 @@
     <p:sldId id="265" r:id="rId12"/>
     <p:sldId id="266" r:id="rId13"/>
     <p:sldId id="267" r:id="rId14"/>
+    <p:sldId id="268" r:id="rId15"/>
+    <p:sldId id="269" r:id="rId16"/>
   </p:sldIdLst>
   <p:sldSz cx="10080625" cy="5670550"/>
   <p:notesSz cx="7559675" cy="10691812"/>
@@ -1710,7 +1712,7 @@
           </a:bodyPr>
           <a:p>
             <a:pPr algn="r"/>
-            <a:fld id="{EF1BA075-D481-4A6C-BD13-B80CCB658F86}" type="slidenum">
+            <a:fld id="{78F7DB98-881F-4876-88B8-F088360111D6}" type="slidenum">
               <a:rPr b="0" lang="en-US" sz="1400" spc="-1" strike="noStrike">
                 <a:latin typeface="Times New Roman"/>
               </a:rPr>
@@ -1933,14 +1935,14 @@
       </p:grpSpPr>
       <p:sp>
         <p:nvSpPr>
-          <p:cNvPr id="87" name="TextShape 1"/>
+          <p:cNvPr id="82" name="TextShape 1"/>
           <p:cNvSpPr txBox="1"/>
           <p:nvPr/>
         </p:nvSpPr>
         <p:spPr>
           <a:xfrm>
-            <a:off x="504000" y="226080"/>
-            <a:ext cx="9071640" cy="946440"/>
+            <a:off x="504000" y="74160"/>
+            <a:ext cx="9071640" cy="1250280"/>
           </a:xfrm>
           <a:prstGeom prst="rect">
             <a:avLst/>
@@ -1960,7 +1962,7 @@
               <a:rPr b="0" lang="en-US" sz="4400" spc="-1" strike="noStrike">
                 <a:latin typeface="Arial"/>
               </a:rPr>
-              <a:t>Сравнение программ</a:t>
+              <a:t>Сравнение программ(в разработке)</a:t>
             </a:r>
             <a:endParaRPr b="0" lang="en-US" sz="4400" spc="-1" strike="noStrike">
               <a:latin typeface="Arial"/>
@@ -1970,7 +1972,7 @@
       </p:sp>
       <p:graphicFrame>
         <p:nvGraphicFramePr>
-          <p:cNvPr id="88" name="Table 2"/>
+          <p:cNvPr id="83" name="Table 2"/>
           <p:cNvGraphicFramePr/>
           <p:nvPr/>
         </p:nvGraphicFramePr>
@@ -2696,7 +2698,7 @@
                         <a:rPr b="0" lang="en-US" sz="1800" spc="-1" strike="noStrike">
                           <a:latin typeface="Arial"/>
                         </a:rPr>
-                        <a:t>3 разряд</a:t>
+                        <a:t>3 разряд(сильно устаревшая информация)</a:t>
                       </a:r>
                       <a:endParaRPr b="0" lang="en-US" sz="1800" spc="-1" strike="noStrike">
                         <a:latin typeface="Arial"/>
@@ -2809,7 +2811,7 @@
       </p:grpSpPr>
       <p:sp>
         <p:nvSpPr>
-          <p:cNvPr id="89" name="TextShape 1"/>
+          <p:cNvPr id="84" name="TextShape 1"/>
           <p:cNvSpPr txBox="1"/>
           <p:nvPr/>
         </p:nvSpPr>
@@ -2832,12 +2834,6 @@
           </a:bodyPr>
           <a:p>
             <a:pPr algn="ctr"/>
-            <a:r>
-              <a:rPr b="0" lang="en-US" sz="4400" spc="-1" strike="noStrike">
-                <a:latin typeface="Arial"/>
-              </a:rPr>
-              <a:t>Как можно улучшшить</a:t>
-            </a:r>
             <a:endParaRPr b="0" lang="en-US" sz="4400" spc="-1" strike="noStrike">
               <a:latin typeface="Arial"/>
             </a:endParaRPr>
@@ -2846,7 +2842,7 @@
       </p:sp>
       <p:sp>
         <p:nvSpPr>
-          <p:cNvPr id="90" name="TextShape 2"/>
+          <p:cNvPr id="85" name="TextShape 2"/>
           <p:cNvSpPr txBox="1"/>
           <p:nvPr/>
         </p:nvSpPr>
@@ -2868,7 +2864,7 @@
             <a:normAutofit/>
           </a:bodyPr>
           <a:p>
-            <a:pPr marL="432000" indent="-324000">
+            <a:pPr marL="432000" indent="-324000" algn="ctr">
               <a:spcBef>
                 <a:spcPts val="1417"/>
               </a:spcBef>
@@ -2879,88 +2875,12 @@
               <a:buFont typeface="Wingdings" charset="2"/>
               <a:buChar char=""/>
             </a:pPr>
-            <a:endParaRPr b="0" lang="en-US" sz="3200" spc="-1" strike="noStrike">
-              <a:latin typeface="Arial"/>
-            </a:endParaRPr>
-          </a:p>
-          <a:p>
-            <a:pPr marL="432000" indent="-324000">
-              <a:spcBef>
-                <a:spcPts val="1417"/>
-              </a:spcBef>
-              <a:buClr>
-                <a:srgbClr val="000000"/>
-              </a:buClr>
-              <a:buSzPct val="45000"/>
-              <a:buFont typeface="Wingdings" charset="2"/>
-              <a:buChar char=""/>
-            </a:pPr>
             <a:r>
               <a:rPr b="0" lang="en-US" sz="3200" spc="-1" strike="noStrike">
                 <a:latin typeface="Arial"/>
               </a:rPr>
-              <a:t>Зделать просчет вариантов многопоточным</a:t>
-            </a:r>
-            <a:endParaRPr b="0" lang="en-US" sz="3200" spc="-1" strike="noStrike">
-              <a:latin typeface="Arial"/>
-            </a:endParaRPr>
-          </a:p>
-          <a:p>
-            <a:pPr marL="432000" indent="-324000">
-              <a:spcBef>
-                <a:spcPts val="1417"/>
-              </a:spcBef>
-              <a:buClr>
-                <a:srgbClr val="000000"/>
-              </a:buClr>
-              <a:buSzPct val="45000"/>
-              <a:buFont typeface="Wingdings" charset="2"/>
-              <a:buChar char=""/>
-            </a:pPr>
-            <a:r>
-              <a:rPr b="0" lang="en-US" sz="3200" spc="-1" strike="noStrike">
-                <a:latin typeface="Arial"/>
-              </a:rPr>
-              <a:t>Добавить базу данных окончаний</a:t>
-            </a:r>
-            <a:endParaRPr b="0" lang="en-US" sz="3200" spc="-1" strike="noStrike">
-              <a:latin typeface="Arial"/>
-            </a:endParaRPr>
-          </a:p>
-          <a:p>
-            <a:pPr marL="432000" indent="-324000">
-              <a:spcBef>
-                <a:spcPts val="1417"/>
-              </a:spcBef>
-              <a:buClr>
-                <a:srgbClr val="000000"/>
-              </a:buClr>
-              <a:buSzPct val="45000"/>
-              <a:buFont typeface="Wingdings" charset="2"/>
-              <a:buChar char=""/>
-            </a:pPr>
-            <a:r>
-              <a:rPr b="0" lang="en-US" sz="3200" spc="-1" strike="noStrike">
-                <a:latin typeface="Arial"/>
-              </a:rPr>
-              <a:t>Добавить дебютную книгу</a:t>
-            </a:r>
-            <a:endParaRPr b="0" lang="en-US" sz="3200" spc="-1" strike="noStrike">
-              <a:latin typeface="Arial"/>
-            </a:endParaRPr>
-          </a:p>
-          <a:p>
-            <a:pPr marL="432000" indent="-324000">
-              <a:spcBef>
-                <a:spcPts val="1417"/>
-              </a:spcBef>
-              <a:buClr>
-                <a:srgbClr val="000000"/>
-              </a:buClr>
-              <a:buSzPct val="45000"/>
-              <a:buFont typeface="Wingdings" charset="2"/>
-              <a:buChar char=""/>
-            </a:pPr>
+              <a:t>Здесь я должен написать в чем уникальность именно моей программы, но я пока еще не придумал</a:t>
+            </a:r>
             <a:endParaRPr b="0" lang="en-US" sz="3200" spc="-1" strike="noStrike">
               <a:latin typeface="Arial"/>
             </a:endParaRPr>
@@ -2999,7 +2919,7 @@
       </p:grpSpPr>
       <p:sp>
         <p:nvSpPr>
-          <p:cNvPr id="91" name="TextShape 1"/>
+          <p:cNvPr id="86" name="TextShape 1"/>
           <p:cNvSpPr txBox="1"/>
           <p:nvPr/>
         </p:nvSpPr>
@@ -3026,7 +2946,7 @@
               <a:rPr b="0" lang="en-US" sz="4400" spc="-1" strike="noStrike">
                 <a:latin typeface="Arial"/>
               </a:rPr>
-              <a:t>Спасибо за внимание</a:t>
+              <a:t>Как можно улучшшить</a:t>
             </a:r>
             <a:endParaRPr b="0" lang="en-US" sz="4400" spc="-1" strike="noStrike">
               <a:latin typeface="Arial"/>
@@ -3036,14 +2956,14 @@
       </p:sp>
       <p:sp>
         <p:nvSpPr>
-          <p:cNvPr id="92" name="TextShape 2"/>
+          <p:cNvPr id="87" name="TextShape 2"/>
           <p:cNvSpPr txBox="1"/>
           <p:nvPr/>
         </p:nvSpPr>
         <p:spPr>
           <a:xfrm>
-            <a:off x="5152680" y="1326600"/>
-            <a:ext cx="4426920" cy="1568160"/>
+            <a:off x="504000" y="1326600"/>
+            <a:ext cx="9071640" cy="3288240"/>
           </a:xfrm>
           <a:prstGeom prst="rect">
             <a:avLst/>
@@ -3069,41 +2989,10 @@
               <a:buFont typeface="Wingdings" charset="2"/>
               <a:buChar char=""/>
             </a:pPr>
-            <a:r>
-              <a:rPr b="0" lang="en-US" sz="3200" spc="-1" strike="noStrike">
-                <a:latin typeface="Arial"/>
-              </a:rPr>
-              <a:t>Здесь должна быть ссылка на гитхаб</a:t>
-            </a:r>
-            <a:endParaRPr b="0" lang="en-US" sz="3200" spc="-1" strike="noStrike">
-              <a:latin typeface="Arial"/>
-            </a:endParaRPr>
-          </a:p>
-        </p:txBody>
-      </p:sp>
-      <p:sp>
-        <p:nvSpPr>
-          <p:cNvPr id="93" name="TextShape 3"/>
-          <p:cNvSpPr txBox="1"/>
-          <p:nvPr/>
-        </p:nvSpPr>
-        <p:spPr>
-          <a:xfrm>
-            <a:off x="5152680" y="3044160"/>
-            <a:ext cx="4426920" cy="1568160"/>
-          </a:xfrm>
-          <a:prstGeom prst="rect">
-            <a:avLst/>
-          </a:prstGeom>
-          <a:noFill/>
-          <a:ln w="0">
-            <a:noFill/>
-          </a:ln>
-        </p:spPr>
-        <p:txBody>
-          <a:bodyPr lIns="0" rIns="0" tIns="0" bIns="0">
-            <a:normAutofit/>
-          </a:bodyPr>
+            <a:endParaRPr b="0" lang="en-US" sz="3200" spc="-1" strike="noStrike">
+              <a:latin typeface="Arial"/>
+            </a:endParaRPr>
+          </a:p>
           <a:p>
             <a:pPr marL="432000" indent="-324000">
               <a:spcBef>
@@ -3120,6 +3009,454 @@
               <a:rPr b="0" lang="en-US" sz="3200" spc="-1" strike="noStrike">
                 <a:latin typeface="Arial"/>
               </a:rPr>
+              <a:t>Cделать просчет вариантов многопоточным</a:t>
+            </a:r>
+            <a:endParaRPr b="0" lang="en-US" sz="3200" spc="-1" strike="noStrike">
+              <a:latin typeface="Arial"/>
+            </a:endParaRPr>
+          </a:p>
+          <a:p>
+            <a:pPr marL="432000" indent="-324000">
+              <a:spcBef>
+                <a:spcPts val="1417"/>
+              </a:spcBef>
+              <a:buClr>
+                <a:srgbClr val="000000"/>
+              </a:buClr>
+              <a:buSzPct val="45000"/>
+              <a:buFont typeface="Wingdings" charset="2"/>
+              <a:buChar char=""/>
+            </a:pPr>
+            <a:r>
+              <a:rPr b="0" lang="en-US" sz="3200" spc="-1" strike="noStrike">
+                <a:latin typeface="Arial"/>
+              </a:rPr>
+              <a:t>Добавить базу ендшпилей</a:t>
+            </a:r>
+            <a:endParaRPr b="0" lang="en-US" sz="3200" spc="-1" strike="noStrike">
+              <a:latin typeface="Arial"/>
+            </a:endParaRPr>
+          </a:p>
+          <a:p>
+            <a:pPr marL="432000" indent="-324000">
+              <a:spcBef>
+                <a:spcPts val="1417"/>
+              </a:spcBef>
+              <a:buClr>
+                <a:srgbClr val="000000"/>
+              </a:buClr>
+              <a:buSzPct val="45000"/>
+              <a:buFont typeface="Wingdings" charset="2"/>
+              <a:buChar char=""/>
+            </a:pPr>
+            <a:r>
+              <a:rPr b="0" lang="en-US" sz="3200" spc="-1" strike="noStrike">
+                <a:latin typeface="Arial"/>
+              </a:rPr>
+              <a:t>Добавить дебютную книгу</a:t>
+            </a:r>
+            <a:endParaRPr b="0" lang="en-US" sz="3200" spc="-1" strike="noStrike">
+              <a:latin typeface="Arial"/>
+            </a:endParaRPr>
+          </a:p>
+          <a:p>
+            <a:pPr marL="432000" indent="-324000">
+              <a:spcBef>
+                <a:spcPts val="1417"/>
+              </a:spcBef>
+              <a:buClr>
+                <a:srgbClr val="000000"/>
+              </a:buClr>
+              <a:buSzPct val="45000"/>
+              <a:buFont typeface="Wingdings" charset="2"/>
+              <a:buChar char=""/>
+            </a:pPr>
+            <a:endParaRPr b="0" lang="en-US" sz="3200" spc="-1" strike="noStrike">
+              <a:latin typeface="Arial"/>
+            </a:endParaRPr>
+          </a:p>
+        </p:txBody>
+      </p:sp>
+    </p:spTree>
+  </p:cSld>
+  <mc:AlternateContent>
+    <mc:Choice Requires="p14">
+      <p:transition spd="slow" p14:dur="2000"/>
+    </mc:Choice>
+    <mc:Fallback>
+      <p:transition spd="slow"/>
+    </mc:Fallback>
+  </mc:AlternateContent>
+</p:sld>
+</file>
+
+<file path=ppt/slides/slide13.xml><?xml version="1.0" encoding="utf-8"?>
+<p:sld xmlns:a="http://schemas.openxmlformats.org/drawingml/2006/main" xmlns:p="http://schemas.openxmlformats.org/presentationml/2006/main" xmlns:r="http://schemas.openxmlformats.org/officeDocument/2006/relationships" xmlns:p14="http://schemas.microsoft.com/office/powerpoint/2010/main" xmlns:p15="http://schemas.microsoft.com/office/powerpoint/2012/main" xmlns:mc="http://schemas.openxmlformats.org/markup-compatibility/2006">
+  <p:cSld>
+    <p:spTree>
+      <p:nvGrpSpPr>
+        <p:cNvPr id="1" name=""/>
+        <p:cNvGrpSpPr/>
+        <p:nvPr/>
+      </p:nvGrpSpPr>
+      <p:grpSpPr>
+        <a:xfrm>
+          <a:off x="0" y="0"/>
+          <a:ext cx="0" cy="0"/>
+          <a:chOff x="0" y="0"/>
+          <a:chExt cx="0" cy="0"/>
+        </a:xfrm>
+      </p:grpSpPr>
+      <p:sp>
+        <p:nvSpPr>
+          <p:cNvPr id="88" name="TextShape 1"/>
+          <p:cNvSpPr txBox="1"/>
+          <p:nvPr/>
+        </p:nvSpPr>
+        <p:spPr>
+          <a:xfrm>
+            <a:off x="504000" y="226080"/>
+            <a:ext cx="9071640" cy="946440"/>
+          </a:xfrm>
+          <a:prstGeom prst="rect">
+            <a:avLst/>
+          </a:prstGeom>
+          <a:noFill/>
+          <a:ln w="0">
+            <a:noFill/>
+          </a:ln>
+        </p:spPr>
+        <p:txBody>
+          <a:bodyPr lIns="0" rIns="0" tIns="0" bIns="0" anchor="ctr">
+            <a:noAutofit/>
+          </a:bodyPr>
+          <a:p>
+            <a:pPr algn="ctr"/>
+            <a:r>
+              <a:rPr b="0" lang="en-US" sz="4400" spc="-1" strike="noStrike">
+                <a:latin typeface="Arial"/>
+              </a:rPr>
+              <a:t>Использованные ресурсы</a:t>
+            </a:r>
+            <a:endParaRPr b="0" lang="en-US" sz="4400" spc="-1" strike="noStrike">
+              <a:latin typeface="Arial"/>
+            </a:endParaRPr>
+          </a:p>
+        </p:txBody>
+      </p:sp>
+      <p:sp>
+        <p:nvSpPr>
+          <p:cNvPr id="89" name="TextShape 2"/>
+          <p:cNvSpPr txBox="1"/>
+          <p:nvPr/>
+        </p:nvSpPr>
+        <p:spPr>
+          <a:xfrm>
+            <a:off x="504000" y="1326600"/>
+            <a:ext cx="9071640" cy="3288240"/>
+          </a:xfrm>
+          <a:prstGeom prst="rect">
+            <a:avLst/>
+          </a:prstGeom>
+          <a:noFill/>
+          <a:ln w="0">
+            <a:noFill/>
+          </a:ln>
+        </p:spPr>
+        <p:txBody>
+          <a:bodyPr lIns="0" rIns="0" tIns="0" bIns="0">
+            <a:normAutofit fontScale="52000"/>
+          </a:bodyPr>
+          <a:p>
+            <a:pPr marL="432000" indent="-324000">
+              <a:spcBef>
+                <a:spcPts val="1417"/>
+              </a:spcBef>
+              <a:buClr>
+                <a:srgbClr val="000000"/>
+              </a:buClr>
+              <a:buSzPct val="45000"/>
+              <a:buFont typeface="Wingdings" charset="2"/>
+              <a:buChar char=""/>
+            </a:pPr>
+            <a:r>
+              <a:rPr b="0" lang="en-US" sz="3200" spc="-1" strike="noStrike">
+                <a:latin typeface="Arial"/>
+              </a:rPr>
+              <a:t>https://chessprogramming.org/</a:t>
+            </a:r>
+            <a:endParaRPr b="0" lang="en-US" sz="3200" spc="-1" strike="noStrike">
+              <a:latin typeface="Arial"/>
+            </a:endParaRPr>
+          </a:p>
+          <a:p>
+            <a:pPr marL="432000" indent="-324000">
+              <a:spcBef>
+                <a:spcPts val="1417"/>
+              </a:spcBef>
+              <a:buClr>
+                <a:srgbClr val="000000"/>
+              </a:buClr>
+              <a:buSzPct val="45000"/>
+              <a:buFont typeface="Wingdings" charset="2"/>
+              <a:buChar char=""/>
+            </a:pPr>
+            <a:r>
+              <a:rPr b="0" lang="en-US" sz="3200" spc="-1" strike="noStrike">
+                <a:latin typeface="Arial"/>
+                <a:hlinkClick r:id="rId1"/>
+              </a:rPr>
+              <a:t>https://habr.com/ru/post/682122/</a:t>
+            </a:r>
+            <a:endParaRPr b="0" lang="en-US" sz="3200" spc="-1" strike="noStrike">
+              <a:latin typeface="Arial"/>
+            </a:endParaRPr>
+          </a:p>
+          <a:p>
+            <a:pPr marL="432000" indent="-324000">
+              <a:spcBef>
+                <a:spcPts val="1417"/>
+              </a:spcBef>
+              <a:buClr>
+                <a:srgbClr val="000000"/>
+              </a:buClr>
+              <a:buSzPct val="45000"/>
+              <a:buFont typeface="Wingdings" charset="2"/>
+              <a:buChar char=""/>
+            </a:pPr>
+            <a:r>
+              <a:rPr b="0" lang="en-US" sz="3200" spc="-1" strike="noStrike">
+                <a:latin typeface="Arial"/>
+                <a:hlinkClick r:id="rId2"/>
+              </a:rPr>
+              <a:t>https://habr.com/ru/post/276957/</a:t>
+            </a:r>
+            <a:endParaRPr b="0" lang="en-US" sz="3200" spc="-1" strike="noStrike">
+              <a:latin typeface="Arial"/>
+            </a:endParaRPr>
+          </a:p>
+          <a:p>
+            <a:pPr marL="432000" indent="-324000">
+              <a:spcBef>
+                <a:spcPts val="1417"/>
+              </a:spcBef>
+              <a:buClr>
+                <a:srgbClr val="000000"/>
+              </a:buClr>
+              <a:buSzPct val="45000"/>
+              <a:buFont typeface="Wingdings" charset="2"/>
+              <a:buChar char=""/>
+            </a:pPr>
+            <a:r>
+              <a:rPr b="0" lang="en-US" sz="3200" spc="-1" strike="noStrike">
+                <a:latin typeface="Arial"/>
+                <a:hlinkClick r:id="rId3"/>
+              </a:rPr>
+              <a:t>https://habr.com/ru/post/146088/</a:t>
+            </a:r>
+            <a:endParaRPr b="0" lang="en-US" sz="3200" spc="-1" strike="noStrike">
+              <a:latin typeface="Arial"/>
+            </a:endParaRPr>
+          </a:p>
+          <a:p>
+            <a:pPr marL="432000" indent="-324000">
+              <a:spcBef>
+                <a:spcPts val="1417"/>
+              </a:spcBef>
+              <a:buClr>
+                <a:srgbClr val="000000"/>
+              </a:buClr>
+              <a:buSzPct val="45000"/>
+              <a:buFont typeface="Wingdings" charset="2"/>
+              <a:buChar char=""/>
+            </a:pPr>
+            <a:r>
+              <a:rPr b="0" lang="en-US" sz="3200" spc="-1" strike="noStrike">
+                <a:latin typeface="Arial"/>
+              </a:rPr>
+              <a:t>Единственное изображение, взятое из интернета:</a:t>
+            </a:r>
+            <a:endParaRPr b="0" lang="en-US" sz="3200" spc="-1" strike="noStrike">
+              <a:latin typeface="Arial"/>
+            </a:endParaRPr>
+          </a:p>
+          <a:p>
+            <a:pPr marL="432000" indent="-324000">
+              <a:spcBef>
+                <a:spcPts val="1417"/>
+              </a:spcBef>
+              <a:buClr>
+                <a:srgbClr val="000000"/>
+              </a:buClr>
+              <a:buSzPct val="45000"/>
+              <a:buFont typeface="Wingdings" charset="2"/>
+              <a:buChar char=""/>
+            </a:pPr>
+            <a:r>
+              <a:rPr b="0" lang="en-US" sz="3200" spc="-1" strike="noStrike">
+                <a:latin typeface="Arial"/>
+              </a:rPr>
+              <a:t>https://2.bp.blogspot.com/-HueyylMeBwU/VHl87W845KI/AAAAAAAAPgc/_xwc5KMrJEo/s1600/MiniMax.gif</a:t>
+            </a:r>
+            <a:endParaRPr b="0" lang="en-US" sz="3200" spc="-1" strike="noStrike">
+              <a:latin typeface="Arial"/>
+            </a:endParaRPr>
+          </a:p>
+        </p:txBody>
+      </p:sp>
+    </p:spTree>
+  </p:cSld>
+  <mc:AlternateContent>
+    <mc:Choice Requires="p14">
+      <p:transition spd="slow" p14:dur="2000"/>
+    </mc:Choice>
+    <mc:Fallback>
+      <p:transition spd="slow"/>
+    </mc:Fallback>
+  </mc:AlternateContent>
+</p:sld>
+</file>
+
+<file path=ppt/slides/slide14.xml><?xml version="1.0" encoding="utf-8"?>
+<p:sld xmlns:a="http://schemas.openxmlformats.org/drawingml/2006/main" xmlns:p="http://schemas.openxmlformats.org/presentationml/2006/main" xmlns:r="http://schemas.openxmlformats.org/officeDocument/2006/relationships" xmlns:p14="http://schemas.microsoft.com/office/powerpoint/2010/main" xmlns:p15="http://schemas.microsoft.com/office/powerpoint/2012/main" xmlns:mc="http://schemas.openxmlformats.org/markup-compatibility/2006">
+  <p:cSld>
+    <p:spTree>
+      <p:nvGrpSpPr>
+        <p:cNvPr id="1" name=""/>
+        <p:cNvGrpSpPr/>
+        <p:nvPr/>
+      </p:nvGrpSpPr>
+      <p:grpSpPr>
+        <a:xfrm>
+          <a:off x="0" y="0"/>
+          <a:ext cx="0" cy="0"/>
+          <a:chOff x="0" y="0"/>
+          <a:chExt cx="0" cy="0"/>
+        </a:xfrm>
+      </p:grpSpPr>
+      <p:sp>
+        <p:nvSpPr>
+          <p:cNvPr id="90" name="TextShape 1"/>
+          <p:cNvSpPr txBox="1"/>
+          <p:nvPr/>
+        </p:nvSpPr>
+        <p:spPr>
+          <a:xfrm>
+            <a:off x="504000" y="226080"/>
+            <a:ext cx="9071640" cy="946440"/>
+          </a:xfrm>
+          <a:prstGeom prst="rect">
+            <a:avLst/>
+          </a:prstGeom>
+          <a:noFill/>
+          <a:ln w="0">
+            <a:noFill/>
+          </a:ln>
+        </p:spPr>
+        <p:txBody>
+          <a:bodyPr lIns="0" rIns="0" tIns="0" bIns="0" anchor="ctr">
+            <a:noAutofit/>
+          </a:bodyPr>
+          <a:p>
+            <a:pPr algn="ctr"/>
+            <a:r>
+              <a:rPr b="0" lang="en-US" sz="4400" spc="-1" strike="noStrike">
+                <a:latin typeface="Arial"/>
+              </a:rPr>
+              <a:t>Спасибо за внимание</a:t>
+            </a:r>
+            <a:endParaRPr b="0" lang="en-US" sz="4400" spc="-1" strike="noStrike">
+              <a:latin typeface="Arial"/>
+            </a:endParaRPr>
+          </a:p>
+        </p:txBody>
+      </p:sp>
+      <p:sp>
+        <p:nvSpPr>
+          <p:cNvPr id="91" name="TextShape 2"/>
+          <p:cNvSpPr txBox="1"/>
+          <p:nvPr/>
+        </p:nvSpPr>
+        <p:spPr>
+          <a:xfrm>
+            <a:off x="5152680" y="1326600"/>
+            <a:ext cx="4426920" cy="1568160"/>
+          </a:xfrm>
+          <a:prstGeom prst="rect">
+            <a:avLst/>
+          </a:prstGeom>
+          <a:noFill/>
+          <a:ln w="0">
+            <a:noFill/>
+          </a:ln>
+        </p:spPr>
+        <p:txBody>
+          <a:bodyPr lIns="0" rIns="0" tIns="0" bIns="0">
+            <a:normAutofit/>
+          </a:bodyPr>
+          <a:p>
+            <a:pPr marL="432000" indent="-324000">
+              <a:spcBef>
+                <a:spcPts val="1417"/>
+              </a:spcBef>
+              <a:buClr>
+                <a:srgbClr val="000000"/>
+              </a:buClr>
+              <a:buSzPct val="45000"/>
+              <a:buFont typeface="Wingdings" charset="2"/>
+              <a:buChar char=""/>
+            </a:pPr>
+            <a:r>
+              <a:rPr b="0" lang="en-US" sz="3200" spc="-1" strike="noStrike">
+                <a:latin typeface="Arial"/>
+              </a:rPr>
+              <a:t>Здесь должна быть ссылка на гитхаб</a:t>
+            </a:r>
+            <a:endParaRPr b="0" lang="en-US" sz="3200" spc="-1" strike="noStrike">
+              <a:latin typeface="Arial"/>
+            </a:endParaRPr>
+          </a:p>
+        </p:txBody>
+      </p:sp>
+      <p:sp>
+        <p:nvSpPr>
+          <p:cNvPr id="92" name="TextShape 3"/>
+          <p:cNvSpPr txBox="1"/>
+          <p:nvPr/>
+        </p:nvSpPr>
+        <p:spPr>
+          <a:xfrm>
+            <a:off x="5152680" y="3044160"/>
+            <a:ext cx="4426920" cy="1568160"/>
+          </a:xfrm>
+          <a:prstGeom prst="rect">
+            <a:avLst/>
+          </a:prstGeom>
+          <a:noFill/>
+          <a:ln w="0">
+            <a:noFill/>
+          </a:ln>
+        </p:spPr>
+        <p:txBody>
+          <a:bodyPr lIns="0" rIns="0" tIns="0" bIns="0">
+            <a:normAutofit/>
+          </a:bodyPr>
+          <a:p>
+            <a:pPr marL="432000" indent="-324000">
+              <a:spcBef>
+                <a:spcPts val="1417"/>
+              </a:spcBef>
+              <a:buClr>
+                <a:srgbClr val="000000"/>
+              </a:buClr>
+              <a:buSzPct val="45000"/>
+              <a:buFont typeface="Wingdings" charset="2"/>
+              <a:buChar char=""/>
+            </a:pPr>
+            <a:r>
+              <a:rPr b="0" lang="en-US" sz="3200" spc="-1" strike="noStrike">
+                <a:latin typeface="Arial"/>
+              </a:rPr>
               <a:t>А здесь QR для этой ссылки</a:t>
             </a:r>
             <a:endParaRPr b="0" lang="en-US" sz="3200" spc="-1" strike="noStrike">
@@ -3130,7 +3467,7 @@
       </p:sp>
       <p:pic>
         <p:nvPicPr>
-          <p:cNvPr id="94" name="" descr=""/>
+          <p:cNvPr id="93" name="" descr=""/>
           <p:cNvPicPr/>
           <p:nvPr/>
         </p:nvPicPr>
@@ -3352,7 +3689,7 @@
         </p:spPr>
         <p:txBody>
           <a:bodyPr lIns="0" rIns="0" tIns="0" bIns="0">
-            <a:normAutofit fontScale="10000"/>
+            <a:normAutofit fontScale="9000"/>
           </a:bodyPr>
           <a:p>
             <a:pPr marL="432000" indent="-324000">
@@ -3370,7 +3707,7 @@
               <a:rPr b="0" lang="en-US" sz="3200" spc="-1" strike="noStrike">
                 <a:latin typeface="Arial"/>
               </a:rPr>
-              <a:t>На даный момент только одна программа для руских шашек выполнила норматив гросмейстера, тоесть  в даной разновидности человек еще не побежден машиной и подобные программы достаточно актуальны</a:t>
+              <a:t>На даный момент только одна программа для руских шашек выполнила норматив гросмейстера, тоесть в даной разновидности шашек человек еще не побежден машиной и подобные программы достаточно актуальны</a:t>
             </a:r>
             <a:endParaRPr b="0" lang="en-US" sz="3200" spc="-1" strike="noStrike">
               <a:latin typeface="Arial"/>
@@ -3463,8 +3800,8 @@
         </p:nvSpPr>
         <p:spPr>
           <a:xfrm>
-            <a:off x="504000" y="226080"/>
-            <a:ext cx="9071640" cy="946440"/>
+            <a:off x="504000" y="-16560"/>
+            <a:ext cx="9071640" cy="1250280"/>
           </a:xfrm>
           <a:prstGeom prst="rect">
             <a:avLst/>
@@ -3484,7 +3821,7 @@
               <a:rPr b="0" lang="en-US" sz="4400" spc="-1" strike="noStrike">
                 <a:latin typeface="Arial"/>
               </a:rPr>
-              <a:t>Дерево игры и минимакс</a:t>
+              <a:t>Быстрая модель шашек, битборды</a:t>
             </a:r>
             <a:endParaRPr b="0" lang="en-US" sz="4400" spc="-1" strike="noStrike">
               <a:latin typeface="Arial"/>
@@ -3504,8 +3841,8 @@
         </p:blipFill>
         <p:spPr>
           <a:xfrm>
-            <a:off x="1642680" y="1326600"/>
-            <a:ext cx="6793920" cy="3288240"/>
+            <a:off x="1073160" y="1326600"/>
+            <a:ext cx="3288240" cy="3288240"/>
           </a:xfrm>
           <a:prstGeom prst="rect">
             <a:avLst/>
@@ -3515,6 +3852,100 @@
           </a:ln>
         </p:spPr>
       </p:pic>
+      <p:sp>
+        <p:nvSpPr>
+          <p:cNvPr id="50" name="TextShape 2"/>
+          <p:cNvSpPr txBox="1"/>
+          <p:nvPr/>
+        </p:nvSpPr>
+        <p:spPr>
+          <a:xfrm>
+            <a:off x="5152680" y="1326600"/>
+            <a:ext cx="4426920" cy="1568160"/>
+          </a:xfrm>
+          <a:prstGeom prst="rect">
+            <a:avLst/>
+          </a:prstGeom>
+          <a:noFill/>
+          <a:ln w="0">
+            <a:noFill/>
+          </a:ln>
+        </p:spPr>
+        <p:txBody>
+          <a:bodyPr lIns="0" rIns="0" tIns="0" bIns="0">
+            <a:normAutofit fontScale="34000"/>
+          </a:bodyPr>
+          <a:p>
+            <a:pPr marL="432000" indent="-324000">
+              <a:spcBef>
+                <a:spcPts val="1417"/>
+              </a:spcBef>
+              <a:buClr>
+                <a:srgbClr val="000000"/>
+              </a:buClr>
+              <a:buSzPct val="45000"/>
+              <a:buFont typeface="Wingdings" charset="2"/>
+              <a:buChar char=""/>
+            </a:pPr>
+            <a:r>
+              <a:rPr b="0" lang="en-US" sz="3200" spc="-1" strike="noStrike">
+                <a:latin typeface="Arial"/>
+              </a:rPr>
+              <a:t>Позицию лучше хранить в виде чисел(по одной для каждого типа фигур) т.к. они лучше обрабатываются компьютерами</a:t>
+            </a:r>
+            <a:endParaRPr b="0" lang="en-US" sz="3200" spc="-1" strike="noStrike">
+              <a:latin typeface="Arial"/>
+            </a:endParaRPr>
+          </a:p>
+        </p:txBody>
+      </p:sp>
+      <p:sp>
+        <p:nvSpPr>
+          <p:cNvPr id="51" name="TextShape 3"/>
+          <p:cNvSpPr txBox="1"/>
+          <p:nvPr/>
+        </p:nvSpPr>
+        <p:spPr>
+          <a:xfrm>
+            <a:off x="5152680" y="3044160"/>
+            <a:ext cx="4426920" cy="1568160"/>
+          </a:xfrm>
+          <a:prstGeom prst="rect">
+            <a:avLst/>
+          </a:prstGeom>
+          <a:noFill/>
+          <a:ln w="0">
+            <a:noFill/>
+          </a:ln>
+        </p:spPr>
+        <p:txBody>
+          <a:bodyPr lIns="0" rIns="0" tIns="0" bIns="0">
+            <a:normAutofit/>
+          </a:bodyPr>
+          <a:p>
+            <a:pPr marL="432000" indent="-324000">
+              <a:spcBef>
+                <a:spcPts val="1417"/>
+              </a:spcBef>
+              <a:buClr>
+                <a:srgbClr val="000000"/>
+              </a:buClr>
+              <a:buSzPct val="45000"/>
+              <a:buFont typeface="Wingdings" charset="2"/>
+              <a:buChar char=""/>
+            </a:pPr>
+            <a:r>
+              <a:rPr b="0" lang="en-US" sz="3200" spc="-1" strike="noStrike">
+                <a:latin typeface="Arial"/>
+              </a:rPr>
+              <a:t>= 100010010100010 = 17570</a:t>
+            </a:r>
+            <a:endParaRPr b="0" lang="en-US" sz="3200" spc="-1" strike="noStrike">
+              <a:latin typeface="Arial"/>
+            </a:endParaRPr>
+          </a:p>
+        </p:txBody>
+      </p:sp>
     </p:spTree>
   </p:cSld>
   <mc:AlternateContent>
@@ -3547,7 +3978,7 @@
       </p:grpSpPr>
       <p:sp>
         <p:nvSpPr>
-          <p:cNvPr id="50" name="TextShape 1"/>
+          <p:cNvPr id="52" name="TextShape 1"/>
           <p:cNvSpPr txBox="1"/>
           <p:nvPr/>
         </p:nvSpPr>
@@ -3574,7 +4005,7 @@
               <a:rPr b="0" lang="en-US" sz="4400" spc="-1" strike="noStrike">
                 <a:latin typeface="Arial"/>
               </a:rPr>
-              <a:t>Альфа-бета отсечение</a:t>
+              <a:t>Побитовые операции</a:t>
             </a:r>
             <a:endParaRPr b="0" lang="en-US" sz="4400" spc="-1" strike="noStrike">
               <a:latin typeface="Arial"/>
@@ -3582,29 +4013,254 @@
           </a:p>
         </p:txBody>
       </p:sp>
-      <p:pic>
-        <p:nvPicPr>
-          <p:cNvPr id="51" name="" descr=""/>
-          <p:cNvPicPr/>
+      <p:sp>
+        <p:nvSpPr>
+          <p:cNvPr id="53" name="TextShape 2"/>
+          <p:cNvSpPr txBox="1"/>
           <p:nvPr/>
-        </p:nvPicPr>
-        <p:blipFill>
-          <a:blip r:embed="rId1"/>
-          <a:stretch/>
-        </p:blipFill>
-        <p:spPr>
-          <a:xfrm>
-            <a:off x="1642680" y="1326600"/>
-            <a:ext cx="6793920" cy="3288240"/>
-          </a:xfrm>
-          <a:prstGeom prst="rect">
-            <a:avLst/>
-          </a:prstGeom>
+        </p:nvSpPr>
+        <p:spPr>
+          <a:xfrm>
+            <a:off x="504000" y="1326600"/>
+            <a:ext cx="4426920" cy="3288240"/>
+          </a:xfrm>
+          <a:prstGeom prst="rect">
+            <a:avLst/>
+          </a:prstGeom>
+          <a:noFill/>
           <a:ln w="0">
             <a:noFill/>
           </a:ln>
         </p:spPr>
-      </p:pic>
+        <p:txBody>
+          <a:bodyPr lIns="0" rIns="0" tIns="0" bIns="0">
+            <a:normAutofit fontScale="85000"/>
+          </a:bodyPr>
+          <a:p>
+            <a:pPr marL="432000" indent="-324000">
+              <a:spcBef>
+                <a:spcPts val="1417"/>
+              </a:spcBef>
+              <a:buClr>
+                <a:srgbClr val="000000"/>
+              </a:buClr>
+              <a:buSzPct val="45000"/>
+              <a:buFont typeface="Wingdings" charset="2"/>
+              <a:buChar char=""/>
+            </a:pPr>
+            <a:r>
+              <a:rPr b="0" lang="en-US" sz="3200" spc="-1" strike="noStrike">
+                <a:latin typeface="Arial"/>
+              </a:rPr>
+              <a:t>1001 &lt;&lt; 2 = 100100</a:t>
+            </a:r>
+            <a:endParaRPr b="0" lang="en-US" sz="3200" spc="-1" strike="noStrike">
+              <a:latin typeface="Arial"/>
+            </a:endParaRPr>
+          </a:p>
+          <a:p>
+            <a:pPr marL="432000" indent="-324000">
+              <a:spcBef>
+                <a:spcPts val="1417"/>
+              </a:spcBef>
+              <a:buClr>
+                <a:srgbClr val="000000"/>
+              </a:buClr>
+              <a:buSzPct val="45000"/>
+              <a:buFont typeface="Wingdings" charset="2"/>
+              <a:buChar char=""/>
+            </a:pPr>
+            <a:r>
+              <a:rPr b="0" lang="en-US" sz="3200" spc="-1" strike="noStrike">
+                <a:latin typeface="Arial"/>
+              </a:rPr>
+              <a:t>1001 &gt;&gt; 2 = 10</a:t>
+            </a:r>
+            <a:endParaRPr b="0" lang="en-US" sz="3200" spc="-1" strike="noStrike">
+              <a:latin typeface="Arial"/>
+            </a:endParaRPr>
+          </a:p>
+          <a:p>
+            <a:pPr marL="432000" indent="-324000">
+              <a:spcBef>
+                <a:spcPts val="1417"/>
+              </a:spcBef>
+              <a:buClr>
+                <a:srgbClr val="000000"/>
+              </a:buClr>
+              <a:buSzPct val="45000"/>
+              <a:buFont typeface="Wingdings" charset="2"/>
+              <a:buChar char=""/>
+            </a:pPr>
+            <a:r>
+              <a:rPr b="0" lang="en-US" sz="3200" spc="-1" strike="noStrike">
+                <a:latin typeface="Arial"/>
+              </a:rPr>
+              <a:t>~1001 = 0110</a:t>
+            </a:r>
+            <a:endParaRPr b="0" lang="en-US" sz="3200" spc="-1" strike="noStrike">
+              <a:latin typeface="Arial"/>
+            </a:endParaRPr>
+          </a:p>
+          <a:p>
+            <a:pPr marL="432000" indent="-324000">
+              <a:spcBef>
+                <a:spcPts val="1417"/>
+              </a:spcBef>
+              <a:buClr>
+                <a:srgbClr val="000000"/>
+              </a:buClr>
+              <a:buSzPct val="45000"/>
+              <a:buFont typeface="Wingdings" charset="2"/>
+              <a:buChar char=""/>
+            </a:pPr>
+            <a:r>
+              <a:rPr b="0" lang="en-US" sz="3200" spc="-1" strike="noStrike">
+                <a:latin typeface="Arial"/>
+              </a:rPr>
+              <a:t>1001 &amp; 1100 = 1000</a:t>
+            </a:r>
+            <a:endParaRPr b="0" lang="en-US" sz="3200" spc="-1" strike="noStrike">
+              <a:latin typeface="Arial"/>
+            </a:endParaRPr>
+          </a:p>
+          <a:p>
+            <a:pPr marL="432000" indent="-324000">
+              <a:spcBef>
+                <a:spcPts val="1417"/>
+              </a:spcBef>
+              <a:buClr>
+                <a:srgbClr val="000000"/>
+              </a:buClr>
+              <a:buSzPct val="45000"/>
+              <a:buFont typeface="Wingdings" charset="2"/>
+              <a:buChar char=""/>
+            </a:pPr>
+            <a:r>
+              <a:rPr b="0" lang="en-US" sz="3200" spc="-1" strike="noStrike">
+                <a:latin typeface="Arial"/>
+              </a:rPr>
+              <a:t>1001 | 1100 = 1101</a:t>
+            </a:r>
+            <a:endParaRPr b="0" lang="en-US" sz="3200" spc="-1" strike="noStrike">
+              <a:latin typeface="Arial"/>
+            </a:endParaRPr>
+          </a:p>
+          <a:p>
+            <a:pPr marL="432000" indent="-324000">
+              <a:spcBef>
+                <a:spcPts val="1417"/>
+              </a:spcBef>
+              <a:buClr>
+                <a:srgbClr val="000000"/>
+              </a:buClr>
+              <a:buSzPct val="45000"/>
+              <a:buFont typeface="Wingdings" charset="2"/>
+              <a:buChar char=""/>
+            </a:pPr>
+            <a:r>
+              <a:rPr b="0" lang="en-US" sz="3200" spc="-1" strike="noStrike">
+                <a:latin typeface="Arial"/>
+              </a:rPr>
+              <a:t>1001 ^ 1100 = 0101</a:t>
+            </a:r>
+            <a:endParaRPr b="0" lang="en-US" sz="3200" spc="-1" strike="noStrike">
+              <a:latin typeface="Arial"/>
+            </a:endParaRPr>
+          </a:p>
+        </p:txBody>
+      </p:sp>
+      <p:sp>
+        <p:nvSpPr>
+          <p:cNvPr id="54" name="TextShape 3"/>
+          <p:cNvSpPr txBox="1"/>
+          <p:nvPr/>
+        </p:nvSpPr>
+        <p:spPr>
+          <a:xfrm>
+            <a:off x="5152680" y="1326600"/>
+            <a:ext cx="4426920" cy="3288240"/>
+          </a:xfrm>
+          <a:prstGeom prst="rect">
+            <a:avLst/>
+          </a:prstGeom>
+          <a:noFill/>
+          <a:ln w="0">
+            <a:noFill/>
+          </a:ln>
+        </p:spPr>
+        <p:txBody>
+          <a:bodyPr lIns="0" rIns="0" tIns="0" bIns="0">
+            <a:normAutofit fontScale="88000"/>
+          </a:bodyPr>
+          <a:p>
+            <a:pPr marL="432000" indent="-324000">
+              <a:spcBef>
+                <a:spcPts val="1417"/>
+              </a:spcBef>
+              <a:buClr>
+                <a:srgbClr val="000000"/>
+              </a:buClr>
+              <a:buSzPct val="45000"/>
+              <a:buFont typeface="Wingdings" charset="2"/>
+              <a:buChar char=""/>
+            </a:pPr>
+            <a:r>
+              <a:rPr b="0" lang="en-US" sz="3200" spc="-1" strike="noStrike">
+                <a:latin typeface="Arial"/>
+              </a:rPr>
+              <a:t>10011 | (1 &lt;&lt; 3) = 10111 - установка бита</a:t>
+            </a:r>
+            <a:endParaRPr b="0" lang="en-US" sz="3200" spc="-1" strike="noStrike">
+              <a:latin typeface="Arial"/>
+            </a:endParaRPr>
+          </a:p>
+          <a:p>
+            <a:pPr marL="432000" indent="-324000">
+              <a:spcBef>
+                <a:spcPts val="1417"/>
+              </a:spcBef>
+              <a:buClr>
+                <a:srgbClr val="000000"/>
+              </a:buClr>
+              <a:buSzPct val="45000"/>
+              <a:buFont typeface="Wingdings" charset="2"/>
+              <a:buChar char=""/>
+            </a:pPr>
+            <a:r>
+              <a:rPr b="0" lang="en-US" sz="3200" spc="-1" strike="noStrike">
+                <a:latin typeface="Arial"/>
+              </a:rPr>
+              <a:t>10111 | ~(1 &lt;&lt; 3) = 10011 - сброс бита</a:t>
+            </a:r>
+            <a:endParaRPr b="0" lang="en-US" sz="3200" spc="-1" strike="noStrike">
+              <a:latin typeface="Arial"/>
+            </a:endParaRPr>
+          </a:p>
+          <a:p>
+            <a:pPr marL="432000" indent="-324000">
+              <a:spcBef>
+                <a:spcPts val="1417"/>
+              </a:spcBef>
+              <a:buClr>
+                <a:srgbClr val="000000"/>
+              </a:buClr>
+              <a:buSzPct val="45000"/>
+              <a:buFont typeface="Wingdings" charset="2"/>
+              <a:buChar char=""/>
+            </a:pPr>
+            <a:r>
+              <a:rPr b="0" lang="en-US" sz="3200" spc="-1" strike="noStrike">
+                <a:latin typeface="Arial"/>
+              </a:rPr>
+              <a:t>10011 &amp; (1 &lt;&lt; 3) = 0 – проверка бита</a:t>
+            </a:r>
+            <a:endParaRPr b="0" lang="en-US" sz="3200" spc="-1" strike="noStrike">
+              <a:latin typeface="Arial"/>
+            </a:endParaRPr>
+          </a:p>
+        </p:txBody>
+      </p:sp>
     </p:spTree>
   </p:cSld>
   <mc:AlternateContent>
@@ -3637,14 +4293,14 @@
       </p:grpSpPr>
       <p:sp>
         <p:nvSpPr>
-          <p:cNvPr id="52" name="TextShape 1"/>
+          <p:cNvPr id="55" name="TextShape 1"/>
           <p:cNvSpPr txBox="1"/>
           <p:nvPr/>
         </p:nvSpPr>
         <p:spPr>
           <a:xfrm>
-            <a:off x="504000" y="74160"/>
-            <a:ext cx="9071640" cy="1250280"/>
+            <a:off x="504000" y="226080"/>
+            <a:ext cx="9071640" cy="946440"/>
           </a:xfrm>
           <a:prstGeom prst="rect">
             <a:avLst/>
@@ -3664,7 +4320,7 @@
               <a:rPr b="0" lang="en-US" sz="4400" spc="-1" strike="noStrike">
                 <a:latin typeface="Arial"/>
               </a:rPr>
-              <a:t>Быстрая модель шашек, битборды</a:t>
+              <a:t>Битовая магия в действии</a:t>
             </a:r>
             <a:endParaRPr b="0" lang="en-US" sz="4400" spc="-1" strike="noStrike">
               <a:latin typeface="Arial"/>
@@ -3674,7 +4330,7 @@
       </p:sp>
       <p:pic>
         <p:nvPicPr>
-          <p:cNvPr id="53" name="" descr=""/>
+          <p:cNvPr id="56" name="все" descr=""/>
           <p:cNvPicPr/>
           <p:nvPr/>
         </p:nvPicPr>
@@ -3684,8 +4340,8 @@
         </p:blipFill>
         <p:spPr>
           <a:xfrm>
-            <a:off x="1073160" y="1542600"/>
-            <a:ext cx="3288240" cy="3288240"/>
+            <a:off x="5518800" y="1403640"/>
+            <a:ext cx="1560600" cy="1568160"/>
           </a:xfrm>
           <a:prstGeom prst="rect">
             <a:avLst/>
@@ -3695,16 +4351,154 @@
           </a:ln>
         </p:spPr>
       </p:pic>
-      <p:sp>
-        <p:nvSpPr>
-          <p:cNvPr id="54" name="TextShape 2"/>
+      <p:pic>
+        <p:nvPicPr>
+          <p:cNvPr id="57" name="" descr=""/>
+          <p:cNvPicPr/>
+          <p:nvPr/>
+        </p:nvPicPr>
+        <p:blipFill>
+          <a:blip r:embed="rId2"/>
+          <a:stretch/>
+        </p:blipFill>
+        <p:spPr>
+          <a:xfrm>
+            <a:off x="3186000" y="1403640"/>
+            <a:ext cx="1566720" cy="1568160"/>
+          </a:xfrm>
+          <a:prstGeom prst="rect">
+            <a:avLst/>
+          </a:prstGeom>
+          <a:ln w="0">
+            <a:noFill/>
+          </a:ln>
+        </p:spPr>
+      </p:pic>
+      <p:pic>
+        <p:nvPicPr>
+          <p:cNvPr id="58" name="" descr=""/>
+          <p:cNvPicPr/>
+          <p:nvPr/>
+        </p:nvPicPr>
+        <p:blipFill>
+          <a:blip r:embed="rId3"/>
+          <a:stretch/>
+        </p:blipFill>
+        <p:spPr>
+          <a:xfrm>
+            <a:off x="7900200" y="3308400"/>
+            <a:ext cx="1576800" cy="1568160"/>
+          </a:xfrm>
+          <a:prstGeom prst="rect">
+            <a:avLst/>
+          </a:prstGeom>
+          <a:ln w="0">
+            <a:noFill/>
+          </a:ln>
+        </p:spPr>
+      </p:pic>
+      <p:pic>
+        <p:nvPicPr>
+          <p:cNvPr id="59" name="" descr=""/>
+          <p:cNvPicPr/>
+          <p:nvPr/>
+        </p:nvPicPr>
+        <p:blipFill>
+          <a:blip r:embed="rId4"/>
+          <a:stretch/>
+        </p:blipFill>
+        <p:spPr>
+          <a:xfrm>
+            <a:off x="709200" y="3268440"/>
+            <a:ext cx="1568160" cy="1568160"/>
+          </a:xfrm>
+          <a:prstGeom prst="rect">
+            <a:avLst/>
+          </a:prstGeom>
+          <a:ln w="0">
+            <a:noFill/>
+          </a:ln>
+        </p:spPr>
+      </p:pic>
+      <p:pic>
+        <p:nvPicPr>
+          <p:cNvPr id="60" name="" descr=""/>
+          <p:cNvPicPr/>
+          <p:nvPr/>
+        </p:nvPicPr>
+        <p:blipFill>
+          <a:blip r:embed="rId5"/>
+          <a:stretch/>
+        </p:blipFill>
+        <p:spPr>
+          <a:xfrm>
+            <a:off x="3186000" y="3268440"/>
+            <a:ext cx="1569240" cy="1568160"/>
+          </a:xfrm>
+          <a:prstGeom prst="rect">
+            <a:avLst/>
+          </a:prstGeom>
+          <a:ln w="0">
+            <a:noFill/>
+          </a:ln>
+        </p:spPr>
+      </p:pic>
+      <p:pic>
+        <p:nvPicPr>
+          <p:cNvPr id="61" name="" descr=""/>
+          <p:cNvPicPr/>
+          <p:nvPr/>
+        </p:nvPicPr>
+        <p:blipFill>
+          <a:blip r:embed="rId6"/>
+          <a:stretch/>
+        </p:blipFill>
+        <p:spPr>
+          <a:xfrm>
+            <a:off x="709200" y="1403640"/>
+            <a:ext cx="1569240" cy="1568160"/>
+          </a:xfrm>
+          <a:prstGeom prst="rect">
+            <a:avLst/>
+          </a:prstGeom>
+          <a:ln w="0">
+            <a:noFill/>
+          </a:ln>
+        </p:spPr>
+      </p:pic>
+      <p:pic>
+        <p:nvPicPr>
+          <p:cNvPr id="62" name="" descr=""/>
+          <p:cNvPicPr/>
+          <p:nvPr/>
+        </p:nvPicPr>
+        <p:blipFill>
+          <a:blip r:embed="rId7"/>
+          <a:stretch/>
+        </p:blipFill>
+        <p:spPr>
+          <a:xfrm>
+            <a:off x="7907760" y="1403640"/>
+            <a:ext cx="1569240" cy="1568160"/>
+          </a:xfrm>
+          <a:prstGeom prst="rect">
+            <a:avLst/>
+          </a:prstGeom>
+          <a:ln w="0">
+            <a:noFill/>
+          </a:ln>
+        </p:spPr>
+      </p:pic>
+      <p:sp>
+        <p:nvSpPr>
+          <p:cNvPr id="63" name="TextShape 2"/>
           <p:cNvSpPr txBox="1"/>
           <p:nvPr/>
         </p:nvSpPr>
         <p:spPr>
           <a:xfrm>
-            <a:off x="5152680" y="1578600"/>
-            <a:ext cx="4426920" cy="2102400"/>
+            <a:off x="1094400" y="2922120"/>
+            <a:ext cx="914400" cy="346320"/>
           </a:xfrm>
           <a:prstGeom prst="rect">
             <a:avLst/>
@@ -3715,43 +4509,32 @@
           </a:ln>
         </p:spPr>
         <p:txBody>
-          <a:bodyPr lIns="0" rIns="0" tIns="0" bIns="0">
-            <a:normAutofit fontScale="52000"/>
-          </a:bodyPr>
-          <a:p>
-            <a:pPr marL="432000" indent="-324000">
-              <a:spcBef>
-                <a:spcPts val="1417"/>
-              </a:spcBef>
-              <a:buClr>
-                <a:srgbClr val="000000"/>
-              </a:buClr>
-              <a:buSzPct val="45000"/>
-              <a:buFont typeface="Wingdings" charset="2"/>
-              <a:buChar char=""/>
-            </a:pPr>
-            <a:r>
-              <a:rPr b="0" lang="en-US" sz="3200" spc="-1" strike="noStrike">
-                <a:latin typeface="Arial"/>
-              </a:rPr>
-              <a:t>Позицию лучше хранить в виде чисел(по одной для каждого типа фигур) т.к. они лучше обрабатываются компьютерами</a:t>
-            </a:r>
-            <a:endParaRPr b="0" lang="en-US" sz="3200" spc="-1" strike="noStrike">
-              <a:latin typeface="Arial"/>
-            </a:endParaRPr>
-          </a:p>
-        </p:txBody>
-      </p:sp>
-      <p:sp>
-        <p:nvSpPr>
-          <p:cNvPr id="55" name="TextShape 3"/>
+          <a:bodyPr lIns="90000" rIns="90000" tIns="45000" bIns="45000">
+            <a:noAutofit/>
+          </a:bodyPr>
+          <a:p>
+            <a:r>
+              <a:rPr b="0" lang="en-US" sz="1800" spc="-1" strike="noStrike">
+                <a:latin typeface="Arial"/>
+              </a:rPr>
+              <a:t>white</a:t>
+            </a:r>
+            <a:endParaRPr b="0" lang="en-US" sz="1800" spc="-1" strike="noStrike">
+              <a:latin typeface="Arial"/>
+            </a:endParaRPr>
+          </a:p>
+        </p:txBody>
+      </p:sp>
+      <p:sp>
+        <p:nvSpPr>
+          <p:cNvPr id="64" name="TextShape 3"/>
           <p:cNvSpPr txBox="1"/>
           <p:nvPr/>
         </p:nvSpPr>
         <p:spPr>
           <a:xfrm>
-            <a:off x="5152680" y="3657600"/>
-            <a:ext cx="4426920" cy="914400"/>
+            <a:off x="3607200" y="2922120"/>
+            <a:ext cx="914400" cy="346320"/>
           </a:xfrm>
           <a:prstGeom prst="rect">
             <a:avLst/>
@@ -3762,28 +4545,256 @@
           </a:ln>
         </p:spPr>
         <p:txBody>
-          <a:bodyPr lIns="0" rIns="0" tIns="0" bIns="0">
-            <a:normAutofit/>
-          </a:bodyPr>
-          <a:p>
-            <a:pPr marL="432000" indent="-324000">
-              <a:spcBef>
-                <a:spcPts val="1417"/>
-              </a:spcBef>
-              <a:buClr>
-                <a:srgbClr val="000000"/>
-              </a:buClr>
-              <a:buSzPct val="45000"/>
-              <a:buFont typeface="Wingdings" charset="2"/>
-              <a:buChar char=""/>
-            </a:pPr>
-            <a:r>
-              <a:rPr b="0" lang="en-US" sz="3200" spc="-1" strike="noStrike">
-                <a:latin typeface="Arial"/>
-              </a:rPr>
-              <a:t>= 100010010100010 = 17570</a:t>
-            </a:r>
-            <a:endParaRPr b="0" lang="en-US" sz="3200" spc="-1" strike="noStrike">
+          <a:bodyPr lIns="90000" rIns="90000" tIns="45000" bIns="45000">
+            <a:noAutofit/>
+          </a:bodyPr>
+          <a:p>
+            <a:r>
+              <a:rPr b="0" lang="en-US" sz="1800" spc="-1" strike="noStrike">
+                <a:latin typeface="Arial"/>
+              </a:rPr>
+              <a:t>black</a:t>
+            </a:r>
+            <a:endParaRPr b="0" lang="en-US" sz="1800" spc="-1" strike="noStrike">
+              <a:latin typeface="Arial"/>
+            </a:endParaRPr>
+          </a:p>
+        </p:txBody>
+      </p:sp>
+      <p:sp>
+        <p:nvSpPr>
+          <p:cNvPr id="65" name="TextShape 4"/>
+          <p:cNvSpPr txBox="1"/>
+          <p:nvPr/>
+        </p:nvSpPr>
+        <p:spPr>
+          <a:xfrm>
+            <a:off x="5338800" y="2934720"/>
+            <a:ext cx="2057400" cy="373680"/>
+          </a:xfrm>
+          <a:prstGeom prst="rect">
+            <a:avLst/>
+          </a:prstGeom>
+          <a:noFill/>
+          <a:ln w="0">
+            <a:noFill/>
+          </a:ln>
+        </p:spPr>
+        <p:txBody>
+          <a:bodyPr lIns="90000" rIns="90000" tIns="45000" bIns="45000">
+            <a:noAutofit/>
+          </a:bodyPr>
+          <a:p>
+            <a:r>
+              <a:rPr b="0" lang="en-US" sz="1800" spc="-1" strike="noStrike">
+                <a:latin typeface="Arial"/>
+              </a:rPr>
+              <a:t>all = whtie | black</a:t>
+            </a:r>
+            <a:endParaRPr b="0" lang="en-US" sz="1800" spc="-1" strike="noStrike">
+              <a:latin typeface="Arial"/>
+            </a:endParaRPr>
+          </a:p>
+        </p:txBody>
+      </p:sp>
+      <p:sp>
+        <p:nvSpPr>
+          <p:cNvPr id="66" name="TextShape 5"/>
+          <p:cNvSpPr txBox="1"/>
+          <p:nvPr/>
+        </p:nvSpPr>
+        <p:spPr>
+          <a:xfrm>
+            <a:off x="7961400" y="2935800"/>
+            <a:ext cx="1587600" cy="346320"/>
+          </a:xfrm>
+          <a:prstGeom prst="rect">
+            <a:avLst/>
+          </a:prstGeom>
+          <a:noFill/>
+          <a:ln w="0">
+            <a:noFill/>
+          </a:ln>
+        </p:spPr>
+        <p:txBody>
+          <a:bodyPr lIns="90000" rIns="90000" tIns="45000" bIns="45000">
+            <a:noAutofit/>
+          </a:bodyPr>
+          <a:p>
+            <a:r>
+              <a:rPr b="0" lang="en-US" sz="1800" spc="-1" strike="noStrike">
+                <a:latin typeface="Arial"/>
+              </a:rPr>
+              <a:t>empty = ~all</a:t>
+            </a:r>
+            <a:endParaRPr b="0" lang="en-US" sz="1800" spc="-1" strike="noStrike">
+              <a:latin typeface="Arial"/>
+            </a:endParaRPr>
+          </a:p>
+        </p:txBody>
+      </p:sp>
+      <p:sp>
+        <p:nvSpPr>
+          <p:cNvPr id="67" name="TextShape 6"/>
+          <p:cNvSpPr txBox="1"/>
+          <p:nvPr/>
+        </p:nvSpPr>
+        <p:spPr>
+          <a:xfrm>
+            <a:off x="264600" y="4800600"/>
+            <a:ext cx="2514600" cy="346320"/>
+          </a:xfrm>
+          <a:prstGeom prst="rect">
+            <a:avLst/>
+          </a:prstGeom>
+          <a:noFill/>
+          <a:ln w="0">
+            <a:noFill/>
+          </a:ln>
+        </p:spPr>
+        <p:txBody>
+          <a:bodyPr lIns="90000" rIns="90000" tIns="45000" bIns="45000">
+            <a:noAutofit/>
+          </a:bodyPr>
+          <a:p>
+            <a:r>
+              <a:rPr b="0" lang="en-US" sz="1800" spc="-1" strike="noStrike">
+                <a:latin typeface="Arial"/>
+              </a:rPr>
+              <a:t>attackers = white &lt;&lt; 7</a:t>
+            </a:r>
+            <a:endParaRPr b="0" lang="en-US" sz="1800" spc="-1" strike="noStrike">
+              <a:latin typeface="Arial"/>
+            </a:endParaRPr>
+          </a:p>
+        </p:txBody>
+      </p:sp>
+      <p:sp>
+        <p:nvSpPr>
+          <p:cNvPr id="68" name="TextShape 7"/>
+          <p:cNvSpPr txBox="1"/>
+          <p:nvPr/>
+        </p:nvSpPr>
+        <p:spPr>
+          <a:xfrm>
+            <a:off x="2957400" y="4800600"/>
+            <a:ext cx="2057400" cy="346320"/>
+          </a:xfrm>
+          <a:prstGeom prst="rect">
+            <a:avLst/>
+          </a:prstGeom>
+          <a:noFill/>
+          <a:ln w="0">
+            <a:noFill/>
+          </a:ln>
+        </p:spPr>
+        <p:txBody>
+          <a:bodyPr lIns="90000" rIns="90000" tIns="45000" bIns="45000">
+            <a:noAutofit/>
+          </a:bodyPr>
+          <a:p>
+            <a:r>
+              <a:rPr b="0" lang="en-US" sz="1800" spc="-1" strike="noStrike">
+                <a:latin typeface="Arial"/>
+              </a:rPr>
+              <a:t>attackers &amp;= black</a:t>
+            </a:r>
+            <a:endParaRPr b="0" lang="en-US" sz="1800" spc="-1" strike="noStrike">
+              <a:latin typeface="Arial"/>
+            </a:endParaRPr>
+          </a:p>
+        </p:txBody>
+      </p:sp>
+      <p:pic>
+        <p:nvPicPr>
+          <p:cNvPr id="69" name="" descr=""/>
+          <p:cNvPicPr/>
+          <p:nvPr/>
+        </p:nvPicPr>
+        <p:blipFill>
+          <a:blip r:embed="rId8"/>
+          <a:stretch/>
+        </p:blipFill>
+        <p:spPr>
+          <a:xfrm>
+            <a:off x="5518800" y="3295080"/>
+            <a:ext cx="1576080" cy="1577520"/>
+          </a:xfrm>
+          <a:prstGeom prst="rect">
+            <a:avLst/>
+          </a:prstGeom>
+          <a:ln w="0">
+            <a:noFill/>
+          </a:ln>
+        </p:spPr>
+      </p:pic>
+      <p:sp>
+        <p:nvSpPr>
+          <p:cNvPr id="70" name="TextShape 8"/>
+          <p:cNvSpPr txBox="1"/>
+          <p:nvPr/>
+        </p:nvSpPr>
+        <p:spPr>
+          <a:xfrm>
+            <a:off x="5410800" y="4800600"/>
+            <a:ext cx="1936800" cy="346320"/>
+          </a:xfrm>
+          <a:prstGeom prst="rect">
+            <a:avLst/>
+          </a:prstGeom>
+          <a:noFill/>
+          <a:ln w="0">
+            <a:noFill/>
+          </a:ln>
+        </p:spPr>
+        <p:txBody>
+          <a:bodyPr lIns="90000" rIns="90000" tIns="45000" bIns="45000">
+            <a:noAutofit/>
+          </a:bodyPr>
+          <a:p>
+            <a:r>
+              <a:rPr b="0" lang="en-US" sz="1800" spc="-1" strike="noStrike">
+                <a:latin typeface="Arial"/>
+              </a:rPr>
+              <a:t>attackers = &lt;&lt; 7</a:t>
+            </a:r>
+            <a:endParaRPr b="0" lang="en-US" sz="1800" spc="-1" strike="noStrike">
+              <a:latin typeface="Arial"/>
+            </a:endParaRPr>
+          </a:p>
+        </p:txBody>
+      </p:sp>
+      <p:sp>
+        <p:nvSpPr>
+          <p:cNvPr id="71" name="TextShape 9"/>
+          <p:cNvSpPr txBox="1"/>
+          <p:nvPr/>
+        </p:nvSpPr>
+        <p:spPr>
+          <a:xfrm>
+            <a:off x="7648200" y="4800600"/>
+            <a:ext cx="2286000" cy="602280"/>
+          </a:xfrm>
+          <a:prstGeom prst="rect">
+            <a:avLst/>
+          </a:prstGeom>
+          <a:noFill/>
+          <a:ln w="0">
+            <a:noFill/>
+          </a:ln>
+        </p:spPr>
+        <p:txBody>
+          <a:bodyPr lIns="90000" rIns="90000" tIns="45000" bIns="45000">
+            <a:noAutofit/>
+          </a:bodyPr>
+          <a:p>
+            <a:r>
+              <a:rPr b="0" lang="en-US" sz="1800" spc="-1" strike="noStrike">
+                <a:latin typeface="Arial"/>
+              </a:rPr>
+              <a:t>attackers &amp;= empty</a:t>
+            </a:r>
+            <a:endParaRPr b="0" lang="en-US" sz="1800" spc="-1" strike="noStrike">
               <a:latin typeface="Arial"/>
             </a:endParaRPr>
           </a:p>
@@ -3793,10 +4804,14 @@
   </p:cSld>
   <mc:AlternateContent>
     <mc:Choice Requires="p14">
-      <p:transition spd="slow" p14:dur="2000"/>
+      <p:transition spd="slow" p14:dur="2000">
+        <p:randomBar dir="vert"/>
+      </p:transition>
     </mc:Choice>
     <mc:Fallback>
-      <p:transition spd="slow"/>
+      <p:transition spd="slow">
+        <p:randomBar dir="vert"/>
+      </p:transition>
     </mc:Fallback>
   </mc:AlternateContent>
 </p:sld>
@@ -3821,7 +4836,7 @@
       </p:grpSpPr>
       <p:sp>
         <p:nvSpPr>
-          <p:cNvPr id="56" name="TextShape 1"/>
+          <p:cNvPr id="72" name="TextShape 1"/>
           <p:cNvSpPr txBox="1"/>
           <p:nvPr/>
         </p:nvSpPr>
@@ -3848,7 +4863,7 @@
               <a:rPr b="0" lang="en-US" sz="4400" spc="-1" strike="noStrike">
                 <a:latin typeface="Arial"/>
               </a:rPr>
-              <a:t>Побитовые операции</a:t>
+              <a:t>Дерево игры, минимакс</a:t>
             </a:r>
             <a:endParaRPr b="0" lang="en-US" sz="4400" spc="-1" strike="noStrike">
               <a:latin typeface="Arial"/>
@@ -3856,254 +4871,29 @@
           </a:p>
         </p:txBody>
       </p:sp>
-      <p:sp>
-        <p:nvSpPr>
-          <p:cNvPr id="57" name="TextShape 2"/>
-          <p:cNvSpPr txBox="1"/>
+      <p:pic>
+        <p:nvPicPr>
+          <p:cNvPr id="73" name="" descr=""/>
+          <p:cNvPicPr/>
           <p:nvPr/>
-        </p:nvSpPr>
-        <p:spPr>
-          <a:xfrm>
-            <a:off x="504000" y="1326600"/>
-            <a:ext cx="4426920" cy="3288240"/>
-          </a:xfrm>
-          <a:prstGeom prst="rect">
-            <a:avLst/>
-          </a:prstGeom>
-          <a:noFill/>
+        </p:nvPicPr>
+        <p:blipFill>
+          <a:blip r:embed="rId1"/>
+          <a:stretch/>
+        </p:blipFill>
+        <p:spPr>
+          <a:xfrm>
+            <a:off x="1642680" y="1326600"/>
+            <a:ext cx="6793920" cy="3288240"/>
+          </a:xfrm>
+          <a:prstGeom prst="rect">
+            <a:avLst/>
+          </a:prstGeom>
           <a:ln w="0">
             <a:noFill/>
           </a:ln>
         </p:spPr>
-        <p:txBody>
-          <a:bodyPr lIns="0" rIns="0" tIns="0" bIns="0">
-            <a:normAutofit fontScale="85000"/>
-          </a:bodyPr>
-          <a:p>
-            <a:pPr marL="432000" indent="-324000">
-              <a:spcBef>
-                <a:spcPts val="1417"/>
-              </a:spcBef>
-              <a:buClr>
-                <a:srgbClr val="000000"/>
-              </a:buClr>
-              <a:buSzPct val="45000"/>
-              <a:buFont typeface="Wingdings" charset="2"/>
-              <a:buChar char=""/>
-            </a:pPr>
-            <a:r>
-              <a:rPr b="0" lang="en-US" sz="3200" spc="-1" strike="noStrike">
-                <a:latin typeface="Arial"/>
-              </a:rPr>
-              <a:t>1001 &lt;&lt; 2 = 100100</a:t>
-            </a:r>
-            <a:endParaRPr b="0" lang="en-US" sz="3200" spc="-1" strike="noStrike">
-              <a:latin typeface="Arial"/>
-            </a:endParaRPr>
-          </a:p>
-          <a:p>
-            <a:pPr marL="432000" indent="-324000">
-              <a:spcBef>
-                <a:spcPts val="1417"/>
-              </a:spcBef>
-              <a:buClr>
-                <a:srgbClr val="000000"/>
-              </a:buClr>
-              <a:buSzPct val="45000"/>
-              <a:buFont typeface="Wingdings" charset="2"/>
-              <a:buChar char=""/>
-            </a:pPr>
-            <a:r>
-              <a:rPr b="0" lang="en-US" sz="3200" spc="-1" strike="noStrike">
-                <a:latin typeface="Arial"/>
-              </a:rPr>
-              <a:t>1001 &gt;&gt; 2 = 10</a:t>
-            </a:r>
-            <a:endParaRPr b="0" lang="en-US" sz="3200" spc="-1" strike="noStrike">
-              <a:latin typeface="Arial"/>
-            </a:endParaRPr>
-          </a:p>
-          <a:p>
-            <a:pPr marL="432000" indent="-324000">
-              <a:spcBef>
-                <a:spcPts val="1417"/>
-              </a:spcBef>
-              <a:buClr>
-                <a:srgbClr val="000000"/>
-              </a:buClr>
-              <a:buSzPct val="45000"/>
-              <a:buFont typeface="Wingdings" charset="2"/>
-              <a:buChar char=""/>
-            </a:pPr>
-            <a:r>
-              <a:rPr b="0" lang="en-US" sz="3200" spc="-1" strike="noStrike">
-                <a:latin typeface="Arial"/>
-              </a:rPr>
-              <a:t>~1001 = 0110</a:t>
-            </a:r>
-            <a:endParaRPr b="0" lang="en-US" sz="3200" spc="-1" strike="noStrike">
-              <a:latin typeface="Arial"/>
-            </a:endParaRPr>
-          </a:p>
-          <a:p>
-            <a:pPr marL="432000" indent="-324000">
-              <a:spcBef>
-                <a:spcPts val="1417"/>
-              </a:spcBef>
-              <a:buClr>
-                <a:srgbClr val="000000"/>
-              </a:buClr>
-              <a:buSzPct val="45000"/>
-              <a:buFont typeface="Wingdings" charset="2"/>
-              <a:buChar char=""/>
-            </a:pPr>
-            <a:r>
-              <a:rPr b="0" lang="en-US" sz="3200" spc="-1" strike="noStrike">
-                <a:latin typeface="Arial"/>
-              </a:rPr>
-              <a:t>1001 &amp; 1100 = 1000</a:t>
-            </a:r>
-            <a:endParaRPr b="0" lang="en-US" sz="3200" spc="-1" strike="noStrike">
-              <a:latin typeface="Arial"/>
-            </a:endParaRPr>
-          </a:p>
-          <a:p>
-            <a:pPr marL="432000" indent="-324000">
-              <a:spcBef>
-                <a:spcPts val="1417"/>
-              </a:spcBef>
-              <a:buClr>
-                <a:srgbClr val="000000"/>
-              </a:buClr>
-              <a:buSzPct val="45000"/>
-              <a:buFont typeface="Wingdings" charset="2"/>
-              <a:buChar char=""/>
-            </a:pPr>
-            <a:r>
-              <a:rPr b="0" lang="en-US" sz="3200" spc="-1" strike="noStrike">
-                <a:latin typeface="Arial"/>
-              </a:rPr>
-              <a:t>1001 | 1100 = 1101</a:t>
-            </a:r>
-            <a:endParaRPr b="0" lang="en-US" sz="3200" spc="-1" strike="noStrike">
-              <a:latin typeface="Arial"/>
-            </a:endParaRPr>
-          </a:p>
-          <a:p>
-            <a:pPr marL="432000" indent="-324000">
-              <a:spcBef>
-                <a:spcPts val="1417"/>
-              </a:spcBef>
-              <a:buClr>
-                <a:srgbClr val="000000"/>
-              </a:buClr>
-              <a:buSzPct val="45000"/>
-              <a:buFont typeface="Wingdings" charset="2"/>
-              <a:buChar char=""/>
-            </a:pPr>
-            <a:r>
-              <a:rPr b="0" lang="en-US" sz="3200" spc="-1" strike="noStrike">
-                <a:latin typeface="Arial"/>
-              </a:rPr>
-              <a:t>1001 ^ 1100 = 0101</a:t>
-            </a:r>
-            <a:endParaRPr b="0" lang="en-US" sz="3200" spc="-1" strike="noStrike">
-              <a:latin typeface="Arial"/>
-            </a:endParaRPr>
-          </a:p>
-        </p:txBody>
-      </p:sp>
-      <p:sp>
-        <p:nvSpPr>
-          <p:cNvPr id="58" name="TextShape 3"/>
-          <p:cNvSpPr txBox="1"/>
-          <p:nvPr/>
-        </p:nvSpPr>
-        <p:spPr>
-          <a:xfrm>
-            <a:off x="5152680" y="1326600"/>
-            <a:ext cx="4426920" cy="3288240"/>
-          </a:xfrm>
-          <a:prstGeom prst="rect">
-            <a:avLst/>
-          </a:prstGeom>
-          <a:noFill/>
-          <a:ln w="0">
-            <a:noFill/>
-          </a:ln>
-        </p:spPr>
-        <p:txBody>
-          <a:bodyPr lIns="0" rIns="0" tIns="0" bIns="0">
-            <a:normAutofit fontScale="88000"/>
-          </a:bodyPr>
-          <a:p>
-            <a:pPr marL="432000" indent="-324000">
-              <a:spcBef>
-                <a:spcPts val="1417"/>
-              </a:spcBef>
-              <a:buClr>
-                <a:srgbClr val="000000"/>
-              </a:buClr>
-              <a:buSzPct val="45000"/>
-              <a:buFont typeface="Wingdings" charset="2"/>
-              <a:buChar char=""/>
-            </a:pPr>
-            <a:r>
-              <a:rPr b="0" lang="en-US" sz="3200" spc="-1" strike="noStrike">
-                <a:latin typeface="Arial"/>
-              </a:rPr>
-              <a:t>10011 | (1 &lt;&lt; 3) = 10111 - установка бита</a:t>
-            </a:r>
-            <a:endParaRPr b="0" lang="en-US" sz="3200" spc="-1" strike="noStrike">
-              <a:latin typeface="Arial"/>
-            </a:endParaRPr>
-          </a:p>
-          <a:p>
-            <a:pPr marL="432000" indent="-324000">
-              <a:spcBef>
-                <a:spcPts val="1417"/>
-              </a:spcBef>
-              <a:buClr>
-                <a:srgbClr val="000000"/>
-              </a:buClr>
-              <a:buSzPct val="45000"/>
-              <a:buFont typeface="Wingdings" charset="2"/>
-              <a:buChar char=""/>
-            </a:pPr>
-            <a:r>
-              <a:rPr b="0" lang="en-US" sz="3200" spc="-1" strike="noStrike">
-                <a:latin typeface="Arial"/>
-              </a:rPr>
-              <a:t>10111 | ~(1 &lt;&lt; 3) = 10011 - сброс бита</a:t>
-            </a:r>
-            <a:endParaRPr b="0" lang="en-US" sz="3200" spc="-1" strike="noStrike">
-              <a:latin typeface="Arial"/>
-            </a:endParaRPr>
-          </a:p>
-          <a:p>
-            <a:pPr marL="432000" indent="-324000">
-              <a:spcBef>
-                <a:spcPts val="1417"/>
-              </a:spcBef>
-              <a:buClr>
-                <a:srgbClr val="000000"/>
-              </a:buClr>
-              <a:buSzPct val="45000"/>
-              <a:buFont typeface="Wingdings" charset="2"/>
-              <a:buChar char=""/>
-            </a:pPr>
-            <a:r>
-              <a:rPr b="0" lang="en-US" sz="3200" spc="-1" strike="noStrike">
-                <a:latin typeface="Arial"/>
-              </a:rPr>
-              <a:t>10011 &amp; (1 &lt;&lt; 3) = 0 – проверка бита</a:t>
-            </a:r>
-            <a:endParaRPr b="0" lang="en-US" sz="3200" spc="-1" strike="noStrike">
-              <a:latin typeface="Arial"/>
-            </a:endParaRPr>
-          </a:p>
-        </p:txBody>
-      </p:sp>
+      </p:pic>
     </p:spTree>
   </p:cSld>
   <mc:AlternateContent>
@@ -4136,7 +4926,7 @@
       </p:grpSpPr>
       <p:sp>
         <p:nvSpPr>
-          <p:cNvPr id="59" name="TextShape 1"/>
+          <p:cNvPr id="74" name="TextShape 1"/>
           <p:cNvSpPr txBox="1"/>
           <p:nvPr/>
         </p:nvSpPr>
@@ -4163,7 +4953,7 @@
               <a:rPr b="0" lang="en-US" sz="4400" spc="-1" strike="noStrike">
                 <a:latin typeface="Arial"/>
               </a:rPr>
-              <a:t>Битовая магия в действии</a:t>
+              <a:t>Альфа-бета отсечение</a:t>
             </a:r>
             <a:endParaRPr b="0" lang="en-US" sz="4400" spc="-1" strike="noStrike">
               <a:latin typeface="Arial"/>
@@ -4173,7 +4963,7 @@
       </p:sp>
       <p:pic>
         <p:nvPicPr>
-          <p:cNvPr id="60" name="все" descr=""/>
+          <p:cNvPr id="75" name="" descr=""/>
           <p:cNvPicPr/>
           <p:nvPr/>
         </p:nvPicPr>
@@ -4183,8 +4973,8 @@
         </p:blipFill>
         <p:spPr>
           <a:xfrm>
-            <a:off x="5518800" y="1403640"/>
-            <a:ext cx="1560600" cy="1568160"/>
+            <a:off x="1642680" y="1326600"/>
+            <a:ext cx="6793920" cy="3288240"/>
           </a:xfrm>
           <a:prstGeom prst="rect">
             <a:avLst/>
@@ -4194,467 +4984,14 @@
           </a:ln>
         </p:spPr>
       </p:pic>
-      <p:pic>
-        <p:nvPicPr>
-          <p:cNvPr id="61" name="" descr=""/>
-          <p:cNvPicPr/>
-          <p:nvPr/>
-        </p:nvPicPr>
-        <p:blipFill>
-          <a:blip r:embed="rId2"/>
-          <a:stretch/>
-        </p:blipFill>
-        <p:spPr>
-          <a:xfrm>
-            <a:off x="3186000" y="1403640"/>
-            <a:ext cx="1566720" cy="1568160"/>
-          </a:xfrm>
-          <a:prstGeom prst="rect">
-            <a:avLst/>
-          </a:prstGeom>
-          <a:ln w="0">
-            <a:noFill/>
-          </a:ln>
-        </p:spPr>
-      </p:pic>
-      <p:pic>
-        <p:nvPicPr>
-          <p:cNvPr id="62" name="" descr=""/>
-          <p:cNvPicPr/>
-          <p:nvPr/>
-        </p:nvPicPr>
-        <p:blipFill>
-          <a:blip r:embed="rId3"/>
-          <a:stretch/>
-        </p:blipFill>
-        <p:spPr>
-          <a:xfrm>
-            <a:off x="7900200" y="3308400"/>
-            <a:ext cx="1576800" cy="1568160"/>
-          </a:xfrm>
-          <a:prstGeom prst="rect">
-            <a:avLst/>
-          </a:prstGeom>
-          <a:ln w="0">
-            <a:noFill/>
-          </a:ln>
-        </p:spPr>
-      </p:pic>
-      <p:pic>
-        <p:nvPicPr>
-          <p:cNvPr id="63" name="" descr=""/>
-          <p:cNvPicPr/>
-          <p:nvPr/>
-        </p:nvPicPr>
-        <p:blipFill>
-          <a:blip r:embed="rId4"/>
-          <a:stretch/>
-        </p:blipFill>
-        <p:spPr>
-          <a:xfrm>
-            <a:off x="709200" y="3268440"/>
-            <a:ext cx="1568160" cy="1568160"/>
-          </a:xfrm>
-          <a:prstGeom prst="rect">
-            <a:avLst/>
-          </a:prstGeom>
-          <a:ln w="0">
-            <a:noFill/>
-          </a:ln>
-        </p:spPr>
-      </p:pic>
-      <p:pic>
-        <p:nvPicPr>
-          <p:cNvPr id="64" name="" descr=""/>
-          <p:cNvPicPr/>
-          <p:nvPr/>
-        </p:nvPicPr>
-        <p:blipFill>
-          <a:blip r:embed="rId5"/>
-          <a:stretch/>
-        </p:blipFill>
-        <p:spPr>
-          <a:xfrm>
-            <a:off x="3186000" y="3268440"/>
-            <a:ext cx="1569240" cy="1568160"/>
-          </a:xfrm>
-          <a:prstGeom prst="rect">
-            <a:avLst/>
-          </a:prstGeom>
-          <a:ln w="0">
-            <a:noFill/>
-          </a:ln>
-        </p:spPr>
-      </p:pic>
-      <p:pic>
-        <p:nvPicPr>
-          <p:cNvPr id="65" name="" descr=""/>
-          <p:cNvPicPr/>
-          <p:nvPr/>
-        </p:nvPicPr>
-        <p:blipFill>
-          <a:blip r:embed="rId6"/>
-          <a:stretch/>
-        </p:blipFill>
-        <p:spPr>
-          <a:xfrm>
-            <a:off x="709200" y="1403640"/>
-            <a:ext cx="1569240" cy="1568160"/>
-          </a:xfrm>
-          <a:prstGeom prst="rect">
-            <a:avLst/>
-          </a:prstGeom>
-          <a:ln w="0">
-            <a:noFill/>
-          </a:ln>
-        </p:spPr>
-      </p:pic>
-      <p:pic>
-        <p:nvPicPr>
-          <p:cNvPr id="66" name="" descr=""/>
-          <p:cNvPicPr/>
-          <p:nvPr/>
-        </p:nvPicPr>
-        <p:blipFill>
-          <a:blip r:embed="rId7"/>
-          <a:stretch/>
-        </p:blipFill>
-        <p:spPr>
-          <a:xfrm>
-            <a:off x="7907760" y="1403640"/>
-            <a:ext cx="1569240" cy="1568160"/>
-          </a:xfrm>
-          <a:prstGeom prst="rect">
-            <a:avLst/>
-          </a:prstGeom>
-          <a:ln w="0">
-            <a:noFill/>
-          </a:ln>
-        </p:spPr>
-      </p:pic>
-      <p:sp>
-        <p:nvSpPr>
-          <p:cNvPr id="67" name="TextShape 2"/>
-          <p:cNvSpPr txBox="1"/>
-          <p:nvPr/>
-        </p:nvSpPr>
-        <p:spPr>
-          <a:xfrm>
-            <a:off x="1094400" y="2922120"/>
-            <a:ext cx="914400" cy="346320"/>
-          </a:xfrm>
-          <a:prstGeom prst="rect">
-            <a:avLst/>
-          </a:prstGeom>
-          <a:noFill/>
-          <a:ln w="0">
-            <a:noFill/>
-          </a:ln>
-        </p:spPr>
-        <p:txBody>
-          <a:bodyPr lIns="90000" rIns="90000" tIns="45000" bIns="45000">
-            <a:noAutofit/>
-          </a:bodyPr>
-          <a:p>
-            <a:r>
-              <a:rPr b="0" lang="en-US" sz="1800" spc="-1" strike="noStrike">
-                <a:latin typeface="Arial"/>
-              </a:rPr>
-              <a:t>white</a:t>
-            </a:r>
-            <a:endParaRPr b="0" lang="en-US" sz="1800" spc="-1" strike="noStrike">
-              <a:latin typeface="Arial"/>
-            </a:endParaRPr>
-          </a:p>
-        </p:txBody>
-      </p:sp>
-      <p:sp>
-        <p:nvSpPr>
-          <p:cNvPr id="68" name="TextShape 3"/>
-          <p:cNvSpPr txBox="1"/>
-          <p:nvPr/>
-        </p:nvSpPr>
-        <p:spPr>
-          <a:xfrm>
-            <a:off x="3607200" y="2922120"/>
-            <a:ext cx="914400" cy="346320"/>
-          </a:xfrm>
-          <a:prstGeom prst="rect">
-            <a:avLst/>
-          </a:prstGeom>
-          <a:noFill/>
-          <a:ln w="0">
-            <a:noFill/>
-          </a:ln>
-        </p:spPr>
-        <p:txBody>
-          <a:bodyPr lIns="90000" rIns="90000" tIns="45000" bIns="45000">
-            <a:noAutofit/>
-          </a:bodyPr>
-          <a:p>
-            <a:r>
-              <a:rPr b="0" lang="en-US" sz="1800" spc="-1" strike="noStrike">
-                <a:latin typeface="Arial"/>
-              </a:rPr>
-              <a:t>black</a:t>
-            </a:r>
-            <a:endParaRPr b="0" lang="en-US" sz="1800" spc="-1" strike="noStrike">
-              <a:latin typeface="Arial"/>
-            </a:endParaRPr>
-          </a:p>
-        </p:txBody>
-      </p:sp>
-      <p:sp>
-        <p:nvSpPr>
-          <p:cNvPr id="69" name="TextShape 4"/>
-          <p:cNvSpPr txBox="1"/>
-          <p:nvPr/>
-        </p:nvSpPr>
-        <p:spPr>
-          <a:xfrm>
-            <a:off x="5338800" y="2934720"/>
-            <a:ext cx="2057400" cy="373680"/>
-          </a:xfrm>
-          <a:prstGeom prst="rect">
-            <a:avLst/>
-          </a:prstGeom>
-          <a:noFill/>
-          <a:ln w="0">
-            <a:noFill/>
-          </a:ln>
-        </p:spPr>
-        <p:txBody>
-          <a:bodyPr lIns="90000" rIns="90000" tIns="45000" bIns="45000">
-            <a:noAutofit/>
-          </a:bodyPr>
-          <a:p>
-            <a:r>
-              <a:rPr b="0" lang="en-US" sz="1800" spc="-1" strike="noStrike">
-                <a:latin typeface="Arial"/>
-              </a:rPr>
-              <a:t>all = whtie | black</a:t>
-            </a:r>
-            <a:endParaRPr b="0" lang="en-US" sz="1800" spc="-1" strike="noStrike">
-              <a:latin typeface="Arial"/>
-            </a:endParaRPr>
-          </a:p>
-        </p:txBody>
-      </p:sp>
-      <p:sp>
-        <p:nvSpPr>
-          <p:cNvPr id="70" name="TextShape 5"/>
-          <p:cNvSpPr txBox="1"/>
-          <p:nvPr/>
-        </p:nvSpPr>
-        <p:spPr>
-          <a:xfrm>
-            <a:off x="7961400" y="2935800"/>
-            <a:ext cx="1587600" cy="346320"/>
-          </a:xfrm>
-          <a:prstGeom prst="rect">
-            <a:avLst/>
-          </a:prstGeom>
-          <a:noFill/>
-          <a:ln w="0">
-            <a:noFill/>
-          </a:ln>
-        </p:spPr>
-        <p:txBody>
-          <a:bodyPr lIns="90000" rIns="90000" tIns="45000" bIns="45000">
-            <a:noAutofit/>
-          </a:bodyPr>
-          <a:p>
-            <a:r>
-              <a:rPr b="0" lang="en-US" sz="1800" spc="-1" strike="noStrike">
-                <a:latin typeface="Arial"/>
-              </a:rPr>
-              <a:t>empty = ~all</a:t>
-            </a:r>
-            <a:endParaRPr b="0" lang="en-US" sz="1800" spc="-1" strike="noStrike">
-              <a:latin typeface="Arial"/>
-            </a:endParaRPr>
-          </a:p>
-        </p:txBody>
-      </p:sp>
-      <p:sp>
-        <p:nvSpPr>
-          <p:cNvPr id="71" name="TextShape 6"/>
-          <p:cNvSpPr txBox="1"/>
-          <p:nvPr/>
-        </p:nvSpPr>
-        <p:spPr>
-          <a:xfrm>
-            <a:off x="264600" y="4800600"/>
-            <a:ext cx="2514600" cy="346320"/>
-          </a:xfrm>
-          <a:prstGeom prst="rect">
-            <a:avLst/>
-          </a:prstGeom>
-          <a:noFill/>
-          <a:ln w="0">
-            <a:noFill/>
-          </a:ln>
-        </p:spPr>
-        <p:txBody>
-          <a:bodyPr lIns="90000" rIns="90000" tIns="45000" bIns="45000">
-            <a:noAutofit/>
-          </a:bodyPr>
-          <a:p>
-            <a:r>
-              <a:rPr b="0" lang="en-US" sz="1800" spc="-1" strike="noStrike">
-                <a:latin typeface="Arial"/>
-              </a:rPr>
-              <a:t>attackers = white &lt;&lt; 7</a:t>
-            </a:r>
-            <a:endParaRPr b="0" lang="en-US" sz="1800" spc="-1" strike="noStrike">
-              <a:latin typeface="Arial"/>
-            </a:endParaRPr>
-          </a:p>
-        </p:txBody>
-      </p:sp>
-      <p:sp>
-        <p:nvSpPr>
-          <p:cNvPr id="72" name="TextShape 7"/>
-          <p:cNvSpPr txBox="1"/>
-          <p:nvPr/>
-        </p:nvSpPr>
-        <p:spPr>
-          <a:xfrm>
-            <a:off x="2957400" y="4800600"/>
-            <a:ext cx="2057400" cy="346320"/>
-          </a:xfrm>
-          <a:prstGeom prst="rect">
-            <a:avLst/>
-          </a:prstGeom>
-          <a:noFill/>
-          <a:ln w="0">
-            <a:noFill/>
-          </a:ln>
-        </p:spPr>
-        <p:txBody>
-          <a:bodyPr lIns="90000" rIns="90000" tIns="45000" bIns="45000">
-            <a:noAutofit/>
-          </a:bodyPr>
-          <a:p>
-            <a:r>
-              <a:rPr b="0" lang="en-US" sz="1800" spc="-1" strike="noStrike">
-                <a:latin typeface="Arial"/>
-              </a:rPr>
-              <a:t>attackers &amp;= black</a:t>
-            </a:r>
-            <a:endParaRPr b="0" lang="en-US" sz="1800" spc="-1" strike="noStrike">
-              <a:latin typeface="Arial"/>
-            </a:endParaRPr>
-          </a:p>
-        </p:txBody>
-      </p:sp>
-      <p:pic>
-        <p:nvPicPr>
-          <p:cNvPr id="73" name="" descr=""/>
-          <p:cNvPicPr/>
-          <p:nvPr/>
-        </p:nvPicPr>
-        <p:blipFill>
-          <a:blip r:embed="rId8"/>
-          <a:stretch/>
-        </p:blipFill>
-        <p:spPr>
-          <a:xfrm>
-            <a:off x="5518800" y="3295080"/>
-            <a:ext cx="1576080" cy="1577520"/>
-          </a:xfrm>
-          <a:prstGeom prst="rect">
-            <a:avLst/>
-          </a:prstGeom>
-          <a:ln w="0">
-            <a:noFill/>
-          </a:ln>
-        </p:spPr>
-      </p:pic>
-      <p:sp>
-        <p:nvSpPr>
-          <p:cNvPr id="74" name="TextShape 8"/>
-          <p:cNvSpPr txBox="1"/>
-          <p:nvPr/>
-        </p:nvSpPr>
-        <p:spPr>
-          <a:xfrm>
-            <a:off x="5410800" y="4800600"/>
-            <a:ext cx="1936800" cy="346320"/>
-          </a:xfrm>
-          <a:prstGeom prst="rect">
-            <a:avLst/>
-          </a:prstGeom>
-          <a:noFill/>
-          <a:ln w="0">
-            <a:noFill/>
-          </a:ln>
-        </p:spPr>
-        <p:txBody>
-          <a:bodyPr lIns="90000" rIns="90000" tIns="45000" bIns="45000">
-            <a:noAutofit/>
-          </a:bodyPr>
-          <a:p>
-            <a:r>
-              <a:rPr b="0" lang="en-US" sz="1800" spc="-1" strike="noStrike">
-                <a:latin typeface="Arial"/>
-              </a:rPr>
-              <a:t>attackers = &lt;&lt; 7</a:t>
-            </a:r>
-            <a:endParaRPr b="0" lang="en-US" sz="1800" spc="-1" strike="noStrike">
-              <a:latin typeface="Arial"/>
-            </a:endParaRPr>
-          </a:p>
-        </p:txBody>
-      </p:sp>
-      <p:sp>
-        <p:nvSpPr>
-          <p:cNvPr id="75" name="TextShape 9"/>
-          <p:cNvSpPr txBox="1"/>
-          <p:nvPr/>
-        </p:nvSpPr>
-        <p:spPr>
-          <a:xfrm>
-            <a:off x="7648200" y="4800600"/>
-            <a:ext cx="2286000" cy="602280"/>
-          </a:xfrm>
-          <a:prstGeom prst="rect">
-            <a:avLst/>
-          </a:prstGeom>
-          <a:noFill/>
-          <a:ln w="0">
-            <a:noFill/>
-          </a:ln>
-        </p:spPr>
-        <p:txBody>
-          <a:bodyPr lIns="90000" rIns="90000" tIns="45000" bIns="45000">
-            <a:noAutofit/>
-          </a:bodyPr>
-          <a:p>
-            <a:r>
-              <a:rPr b="0" lang="en-US" sz="1800" spc="-1" strike="noStrike">
-                <a:latin typeface="Arial"/>
-              </a:rPr>
-              <a:t>attackers &amp;= empty</a:t>
-            </a:r>
-            <a:endParaRPr b="0" lang="en-US" sz="1800" spc="-1" strike="noStrike">
-              <a:latin typeface="Arial"/>
-            </a:endParaRPr>
-          </a:p>
-        </p:txBody>
-      </p:sp>
     </p:spTree>
   </p:cSld>
   <mc:AlternateContent>
     <mc:Choice Requires="p14">
-      <p:transition spd="slow" p14:dur="2000">
-        <p:randomBar dir="vert"/>
-      </p:transition>
+      <p:transition spd="slow" p14:dur="2000"/>
     </mc:Choice>
     <mc:Fallback>
-      <p:transition spd="slow">
-        <p:randomBar dir="vert"/>
-      </p:transition>
+      <p:transition spd="slow"/>
     </mc:Fallback>
   </mc:AlternateContent>
 </p:sld>
@@ -4776,7 +5113,7 @@
               <a:rPr b="0" lang="en-US" sz="3200" spc="-1" strike="noStrike">
                 <a:latin typeface="Arial"/>
               </a:rPr>
-              <a:t>Часто бывает, что анализ обрывается на  выигрыше шашки, которая сразу же отыгрывается</a:t>
+              <a:t>Часто бывает, что анализ обрывается на  выигрыше шашки, которая сразу же отыгрывается.</a:t>
             </a:r>
             <a:endParaRPr b="0" lang="en-US" sz="3200" spc="-1" strike="noStrike">
               <a:latin typeface="Arial"/>
@@ -4847,7 +5184,7 @@
               <a:rPr b="0" lang="en-US" sz="4400" spc="-1" strike="noStrike">
                 <a:latin typeface="Arial"/>
               </a:rPr>
-              <a:t>Улучшение оценки позиции</a:t>
+              <a:t>Улучшение статической оценки</a:t>
             </a:r>
             <a:endParaRPr b="0" lang="en-US" sz="4400" spc="-1" strike="noStrike">
               <a:latin typeface="Arial"/>
@@ -4864,7 +5201,7 @@
         <p:spPr>
           <a:xfrm>
             <a:off x="504000" y="1326600"/>
-            <a:ext cx="9071640" cy="1568160"/>
+            <a:ext cx="4426920" cy="3288240"/>
           </a:xfrm>
           <a:prstGeom prst="rect">
             <a:avLst/>
@@ -4876,10 +5213,10 @@
         </p:spPr>
         <p:txBody>
           <a:bodyPr lIns="0" rIns="0" tIns="0" bIns="0">
-            <a:normAutofit fontScale="78000"/>
-          </a:bodyPr>
-          <a:p>
-            <a:pPr marL="432000" indent="-324000" algn="ctr">
+            <a:normAutofit fontScale="19000"/>
+          </a:bodyPr>
+          <a:p>
+            <a:pPr marL="216000" indent="-216000" algn="ctr">
               <a:spcBef>
                 <a:spcPts val="1417"/>
               </a:spcBef>
@@ -4894,7 +5231,73 @@
               <a:rPr b="0" lang="en-US" sz="3200" spc="-1" strike="noStrike">
                 <a:latin typeface="Arial"/>
               </a:rPr>
-              <a:t>Оценку позиции можно улучшить, если более выгодно расположенным(в зависимости от фазы игры) шашкам давать большую цену</a:t>
+              <a:t>Немного увеличим стоимость шашек продвинутых ближе к концу доски</a:t>
+            </a:r>
+            <a:endParaRPr b="0" lang="en-US" sz="3200" spc="-1" strike="noStrike">
+              <a:latin typeface="Arial"/>
+            </a:endParaRPr>
+          </a:p>
+          <a:p>
+            <a:pPr marL="216000" indent="-216000" algn="ctr">
+              <a:spcBef>
+                <a:spcPts val="1417"/>
+              </a:spcBef>
+              <a:buClr>
+                <a:srgbClr val="000000"/>
+              </a:buClr>
+              <a:buSzPct val="45000"/>
+              <a:buFont typeface="Wingdings" charset="2"/>
+              <a:buChar char=""/>
+            </a:pPr>
+            <a:r>
+              <a:rPr b="0" lang="en-US" sz="3200" spc="-1" strike="noStrike">
+                <a:latin typeface="Arial"/>
+              </a:rPr>
+              <a:t>Добавим к оценке количества шашек количество возможных ходов, это заставит программу зажимать противника</a:t>
+            </a:r>
+            <a:endParaRPr b="0" lang="en-US" sz="3200" spc="-1" strike="noStrike">
+              <a:latin typeface="Arial"/>
+            </a:endParaRPr>
+          </a:p>
+          <a:p>
+            <a:pPr marL="216000" indent="-216000" algn="ctr">
+              <a:spcBef>
+                <a:spcPts val="1417"/>
+              </a:spcBef>
+              <a:buClr>
+                <a:srgbClr val="000000"/>
+              </a:buClr>
+              <a:buSzPct val="45000"/>
+              <a:buFont typeface="Wingdings" charset="2"/>
+              <a:buChar char=""/>
+            </a:pPr>
+            <a:r>
+              <a:rPr b="0" lang="en-US" sz="3200" spc="-1" strike="noStrike">
+                <a:latin typeface="Arial"/>
+              </a:rPr>
+              <a:t>Дадим небольшой бонус за наличие шашек, у которых нет противников на пути в дамки</a:t>
+            </a:r>
+            <a:endParaRPr b="0" lang="en-US" sz="3200" spc="-1" strike="noStrike">
+              <a:latin typeface="Arial"/>
+            </a:endParaRPr>
+          </a:p>
+          <a:p>
+            <a:pPr marL="216000" indent="-216000" algn="ctr">
+              <a:spcBef>
+                <a:spcPts val="1417"/>
+              </a:spcBef>
+              <a:buClr>
+                <a:srgbClr val="000000"/>
+              </a:buClr>
+              <a:buSzPct val="45000"/>
+              <a:buFont typeface="Wingdings" charset="2"/>
+              <a:buChar char=""/>
+            </a:pPr>
+            <a:r>
+              <a:rPr b="0" lang="en-US" sz="3200" spc="-1" strike="noStrike">
+                <a:latin typeface="Arial"/>
+              </a:rPr>
+              <a:t>Добавим оценку кучности (немного увеличим стоимость шашки прикрытой другими)</a:t>
             </a:r>
             <a:endParaRPr b="0" lang="en-US" sz="3200" spc="-1" strike="noStrike">
               <a:latin typeface="Arial"/>
@@ -4914,8 +5317,8 @@
         </p:blipFill>
         <p:spPr>
           <a:xfrm>
-            <a:off x="2286000" y="3003840"/>
-            <a:ext cx="1566360" cy="1568160"/>
+            <a:off x="5723280" y="1326600"/>
+            <a:ext cx="3285000" cy="3288240"/>
           </a:xfrm>
           <a:prstGeom prst="rect">
             <a:avLst/>
@@ -4925,160 +5328,6 @@
           </a:ln>
         </p:spPr>
       </p:pic>
-      <p:pic>
-        <p:nvPicPr>
-          <p:cNvPr id="82" name="" descr=""/>
-          <p:cNvPicPr/>
-          <p:nvPr/>
-        </p:nvPicPr>
-        <p:blipFill>
-          <a:blip r:embed="rId2"/>
-          <a:stretch/>
-        </p:blipFill>
-        <p:spPr>
-          <a:xfrm>
-            <a:off x="6891840" y="3003840"/>
-            <a:ext cx="1566360" cy="1568160"/>
-          </a:xfrm>
-          <a:prstGeom prst="rect">
-            <a:avLst/>
-          </a:prstGeom>
-          <a:ln w="0">
-            <a:noFill/>
-          </a:ln>
-        </p:spPr>
-      </p:pic>
-      <p:pic>
-        <p:nvPicPr>
-          <p:cNvPr id="83" name="" descr=""/>
-          <p:cNvPicPr/>
-          <p:nvPr/>
-        </p:nvPicPr>
-        <p:blipFill>
-          <a:blip r:embed="rId3"/>
-          <a:stretch/>
-        </p:blipFill>
-        <p:spPr>
-          <a:xfrm>
-            <a:off x="4605840" y="3003840"/>
-            <a:ext cx="1566360" cy="1568160"/>
-          </a:xfrm>
-          <a:prstGeom prst="rect">
-            <a:avLst/>
-          </a:prstGeom>
-          <a:ln w="0">
-            <a:noFill/>
-          </a:ln>
-        </p:spPr>
-      </p:pic>
-      <p:sp>
-        <p:nvSpPr>
-          <p:cNvPr id="84" name="TextShape 3"/>
-          <p:cNvSpPr txBox="1"/>
-          <p:nvPr/>
-        </p:nvSpPr>
-        <p:spPr>
-          <a:xfrm>
-            <a:off x="2743200" y="4572000"/>
-            <a:ext cx="914400" cy="346320"/>
-          </a:xfrm>
-          <a:prstGeom prst="rect">
-            <a:avLst/>
-          </a:prstGeom>
-          <a:noFill/>
-          <a:ln w="0">
-            <a:noFill/>
-          </a:ln>
-        </p:spPr>
-        <p:txBody>
-          <a:bodyPr lIns="90000" rIns="90000" tIns="45000" bIns="45000">
-            <a:noAutofit/>
-          </a:bodyPr>
-          <a:p>
-            <a:r>
-              <a:rPr b="0" lang="en-US" sz="1800" spc="-1" strike="noStrike">
-                <a:latin typeface="Arial"/>
-              </a:rPr>
-              <a:t>дебют</a:t>
-            </a:r>
-            <a:endParaRPr b="0" lang="en-US" sz="1800" spc="-1" strike="noStrike">
-              <a:latin typeface="Arial"/>
-            </a:endParaRPr>
-          </a:p>
-        </p:txBody>
-      </p:sp>
-      <p:sp>
-        <p:nvSpPr>
-          <p:cNvPr id="85" name="TextShape 4"/>
-          <p:cNvSpPr txBox="1"/>
-          <p:nvPr/>
-        </p:nvSpPr>
-        <p:spPr>
-          <a:xfrm>
-            <a:off x="4572000" y="4572000"/>
-            <a:ext cx="1794960" cy="602280"/>
-          </a:xfrm>
-          <a:prstGeom prst="rect">
-            <a:avLst/>
-          </a:prstGeom>
-          <a:noFill/>
-          <a:ln w="0">
-            <a:noFill/>
-          </a:ln>
-        </p:spPr>
-        <p:txBody>
-          <a:bodyPr lIns="90000" rIns="90000" tIns="45000" bIns="45000">
-            <a:noAutofit/>
-          </a:bodyPr>
-          <a:p>
-            <a:r>
-              <a:rPr b="0" lang="en-US" sz="1800" spc="-1" strike="noStrike">
-                <a:latin typeface="Arial"/>
-              </a:rPr>
-              <a:t>мительшпиль</a:t>
-            </a:r>
-            <a:endParaRPr b="0" lang="en-US" sz="1800" spc="-1" strike="noStrike">
-              <a:latin typeface="Arial"/>
-            </a:endParaRPr>
-          </a:p>
-        </p:txBody>
-      </p:sp>
-      <p:sp>
-        <p:nvSpPr>
-          <p:cNvPr id="86" name="TextShape 5"/>
-          <p:cNvSpPr txBox="1"/>
-          <p:nvPr/>
-        </p:nvSpPr>
-        <p:spPr>
-          <a:xfrm>
-            <a:off x="7086600" y="4572000"/>
-            <a:ext cx="1371600" cy="346320"/>
-          </a:xfrm>
-          <a:prstGeom prst="rect">
-            <a:avLst/>
-          </a:prstGeom>
-          <a:noFill/>
-          <a:ln w="0">
-            <a:noFill/>
-          </a:ln>
-        </p:spPr>
-        <p:txBody>
-          <a:bodyPr lIns="90000" rIns="90000" tIns="45000" bIns="45000">
-            <a:noAutofit/>
-          </a:bodyPr>
-          <a:p>
-            <a:r>
-              <a:rPr b="0" lang="en-US" sz="1800" spc="-1" strike="noStrike">
-                <a:latin typeface="Arial"/>
-              </a:rPr>
-              <a:t>ендшпиль</a:t>
-            </a:r>
-            <a:endParaRPr b="0" lang="en-US" sz="1800" spc="-1" strike="noStrike">
-              <a:latin typeface="Arial"/>
-            </a:endParaRPr>
-          </a:p>
-        </p:txBody>
-      </p:sp>
     </p:spTree>
   </p:cSld>
   <mc:AlternateContent>
